--- a/Capstone.pptx
+++ b/Capstone.pptx
@@ -10,18 +10,19 @@
     <p:sldId id="258" r:id="rId4"/>
     <p:sldId id="259" r:id="rId5"/>
     <p:sldId id="260" r:id="rId6"/>
-    <p:sldId id="261" r:id="rId7"/>
-    <p:sldId id="262" r:id="rId8"/>
-    <p:sldId id="263" r:id="rId9"/>
-    <p:sldId id="264" r:id="rId10"/>
-    <p:sldId id="265" r:id="rId11"/>
-    <p:sldId id="266" r:id="rId12"/>
-    <p:sldId id="267" r:id="rId13"/>
-    <p:sldId id="268" r:id="rId14"/>
-    <p:sldId id="269" r:id="rId15"/>
-    <p:sldId id="270" r:id="rId16"/>
-    <p:sldId id="271" r:id="rId17"/>
-    <p:sldId id="272" r:id="rId18"/>
+    <p:sldId id="273" r:id="rId7"/>
+    <p:sldId id="261" r:id="rId8"/>
+    <p:sldId id="262" r:id="rId9"/>
+    <p:sldId id="263" r:id="rId10"/>
+    <p:sldId id="264" r:id="rId11"/>
+    <p:sldId id="265" r:id="rId12"/>
+    <p:sldId id="266" r:id="rId13"/>
+    <p:sldId id="267" r:id="rId14"/>
+    <p:sldId id="268" r:id="rId15"/>
+    <p:sldId id="269" r:id="rId16"/>
+    <p:sldId id="270" r:id="rId17"/>
+    <p:sldId id="271" r:id="rId18"/>
+    <p:sldId id="272" r:id="rId19"/>
   </p:sldIdLst>
   <p:sldSz cx="12192000" cy="6858000"/>
   <p:notesSz cx="6858000" cy="9144000"/>
@@ -133,6 +134,9 @@
   <p1510:revLst>
     <p1510:client id="{2A69027B-4C08-4338-810F-094CF53E2CEA}" v="1365" dt="2023-05-07T16:57:35.009"/>
     <p1510:client id="{6047978A-6481-43F4-8F7C-A9AFE82C925F}" v="662" dt="2023-05-07T14:56:17.075"/>
+    <p1510:client id="{A95A4151-FD7F-4611-BC6B-F7B913ED1591}" v="103" dt="2023-05-09T17:46:46.825"/>
+    <p1510:client id="{E828CCA4-B771-4134-ADAD-F5DA4A97EEF2}" v="29" dt="2023-05-10T06:27:05.275"/>
+    <p1510:client id="{F5169A4C-AE4B-45E4-AC6A-B272B9E8FDC8}" v="40" dt="2023-05-09T19:41:39.901"/>
   </p1510:revLst>
 </p1510:revInfo>
 </file>
@@ -280,7 +284,7 @@
           <a:p>
             <a:fld id="{2395C5C9-164C-46B3-A87E-7660D39D3106}" type="datetime2">
               <a:rPr lang="en-US" smtClean="0"/>
-              <a:t>Tuesday, May 9, 2023</a:t>
+              <a:t>Wednesday, May 10, 2023</a:t>
             </a:fld>
             <a:endParaRPr lang="en-US" dirty="0"/>
           </a:p>
@@ -483,7 +487,7 @@
           <a:p>
             <a:fld id="{5B75179A-1E2B-41AB-B400-4F1B4022FAEE}" type="datetime2">
               <a:rPr lang="en-US" smtClean="0"/>
-              <a:t>Tuesday, May 9, 2023</a:t>
+              <a:t>Wednesday, May 10, 2023</a:t>
             </a:fld>
             <a:endParaRPr lang="en-US"/>
           </a:p>
@@ -696,7 +700,7 @@
           <a:p>
             <a:fld id="{05681D0F-6595-4F14-8EF3-954CD87C797B}" type="datetime2">
               <a:rPr lang="en-US" smtClean="0"/>
-              <a:t>Tuesday, May 9, 2023</a:t>
+              <a:t>Wednesday, May 10, 2023</a:t>
             </a:fld>
             <a:endParaRPr lang="en-US"/>
           </a:p>
@@ -898,7 +902,7 @@
           <a:p>
             <a:fld id="{4DDCFF8A-AAF8-4A12-8A91-9CA0EAF6CBB9}" type="datetime2">
               <a:rPr lang="en-US" smtClean="0"/>
-              <a:t>Tuesday, May 9, 2023</a:t>
+              <a:t>Wednesday, May 10, 2023</a:t>
             </a:fld>
             <a:endParaRPr lang="en-US" dirty="0"/>
           </a:p>
@@ -1177,7 +1181,7 @@
           <a:p>
             <a:fld id="{ABCC25C3-021A-4B0B-8F70-0C181FE1CF45}" type="datetime2">
               <a:rPr lang="en-US" smtClean="0"/>
-              <a:t>Tuesday, May 9, 2023</a:t>
+              <a:t>Wednesday, May 10, 2023</a:t>
             </a:fld>
             <a:endParaRPr lang="en-US"/>
           </a:p>
@@ -1437,7 +1441,7 @@
           <a:p>
             <a:fld id="{0C23D88D-8CEC-4ED9-A53B-5596187D9A16}" type="datetime2">
               <a:rPr lang="en-US" smtClean="0"/>
-              <a:t>Tuesday, May 9, 2023</a:t>
+              <a:t>Wednesday, May 10, 2023</a:t>
             </a:fld>
             <a:endParaRPr lang="en-US"/>
           </a:p>
@@ -1853,7 +1857,7 @@
           <a:p>
             <a:fld id="{D2CCD382-DFDA-4722-A27A-59C21AD112F2}" type="datetime2">
               <a:rPr lang="en-US" smtClean="0"/>
-              <a:t>Tuesday, May 9, 2023</a:t>
+              <a:t>Wednesday, May 10, 2023</a:t>
             </a:fld>
             <a:endParaRPr lang="en-US"/>
           </a:p>
@@ -1998,7 +2002,7 @@
           <a:p>
             <a:fld id="{22F2A30D-1C09-413F-AAB1-38F366000715}" type="datetime2">
               <a:rPr lang="en-US" smtClean="0"/>
-              <a:t>Tuesday, May 9, 2023</a:t>
+              <a:t>Wednesday, May 10, 2023</a:t>
             </a:fld>
             <a:endParaRPr lang="en-US"/>
           </a:p>
@@ -2120,7 +2124,7 @@
           <a:p>
             <a:fld id="{6DB82B9C-D65E-4F64-95C3-B10F3B00F0D9}" type="datetime2">
               <a:rPr lang="en-US" smtClean="0"/>
-              <a:t>Tuesday, May 9, 2023</a:t>
+              <a:t>Wednesday, May 10, 2023</a:t>
             </a:fld>
             <a:endParaRPr lang="en-US"/>
           </a:p>
@@ -2443,7 +2447,7 @@
           <a:p>
             <a:fld id="{B7F5FDCC-6AAC-4A08-B9E0-3793AB5E64C3}" type="datetime2">
               <a:rPr lang="en-US" smtClean="0"/>
-              <a:t>Tuesday, May 9, 2023</a:t>
+              <a:t>Wednesday, May 10, 2023</a:t>
             </a:fld>
             <a:endParaRPr lang="en-US"/>
           </a:p>
@@ -2731,7 +2735,7 @@
           <a:p>
             <a:fld id="{349FE94D-439C-40F1-900E-BC07940E3988}" type="datetime2">
               <a:rPr lang="en-US" smtClean="0"/>
-              <a:t>Tuesday, May 9, 2023</a:t>
+              <a:t>Wednesday, May 10, 2023</a:t>
             </a:fld>
             <a:endParaRPr lang="en-US"/>
           </a:p>
@@ -3019,7 +3023,7 @@
           <a:p>
             <a:fld id="{8DEA2CF1-0EB2-4673-802D-3371233E4A77}" type="datetime2">
               <a:rPr lang="en-US" smtClean="0"/>
-              <a:t>Tuesday, May 9, 2023</a:t>
+              <a:t>Wednesday, May 10, 2023</a:t>
             </a:fld>
             <a:endParaRPr lang="en-US" dirty="0"/>
           </a:p>
@@ -5000,11 +5004,41 @@
                   </a:schemeClr>
                 </a:solidFill>
               </a:rPr>
-              <a:t>Date: 09/05/2023</a:t>
-            </a:r>
-          </a:p>
-        </p:txBody>
-      </p:sp>
+              <a:t>Date: 11/05/2023</a:t>
+            </a:r>
+          </a:p>
+        </p:txBody>
+      </p:sp>
+      <p:pic>
+        <p:nvPicPr>
+          <p:cNvPr id="4" name="Picture 4">
+            <a:extLst>
+              <a:ext uri="{FF2B5EF4-FFF2-40B4-BE49-F238E27FC236}">
+                <a16:creationId xmlns:a16="http://schemas.microsoft.com/office/drawing/2014/main" id="{0990B194-7AD4-51D8-B75B-51BEFDD2DF26}"/>
+              </a:ext>
+            </a:extLst>
+          </p:cNvPr>
+          <p:cNvPicPr>
+            <a:picLocks noChangeAspect="1"/>
+          </p:cNvPicPr>
+          <p:nvPr/>
+        </p:nvPicPr>
+        <p:blipFill>
+          <a:blip r:embed="rId2"/>
+          <a:stretch>
+            <a:fillRect/>
+          </a:stretch>
+        </p:blipFill>
+        <p:spPr>
+          <a:xfrm>
+            <a:off x="483079" y="599769"/>
+            <a:ext cx="2743200" cy="741405"/>
+          </a:xfrm>
+          <a:prstGeom prst="rect">
+            <a:avLst/>
+          </a:prstGeom>
+        </p:spPr>
+      </p:pic>
     </p:spTree>
     <p:extLst>
       <p:ext uri="{BB962C8B-B14F-4D97-AF65-F5344CB8AC3E}">
@@ -5040,7 +5074,7 @@
           <p:cNvPr id="2" name="Title 1">
             <a:extLst>
               <a:ext uri="{FF2B5EF4-FFF2-40B4-BE49-F238E27FC236}">
-                <a16:creationId xmlns:a16="http://schemas.microsoft.com/office/drawing/2014/main" id="{596E0C82-C7FD-047C-0A27-14985B236E54}"/>
+                <a16:creationId xmlns:a16="http://schemas.microsoft.com/office/drawing/2014/main" id="{DE97A2E8-2DEF-2344-42BA-06B75602BF98}"/>
               </a:ext>
             </a:extLst>
           </p:cNvPr>
@@ -5053,8 +5087,8 @@
         </p:nvSpPr>
         <p:spPr>
           <a:xfrm>
-            <a:off x="720000" y="101616"/>
-            <a:ext cx="10728322" cy="859101"/>
+            <a:off x="720000" y="87238"/>
+            <a:ext cx="10728322" cy="758461"/>
           </a:xfrm>
         </p:spPr>
         <p:txBody>
@@ -5072,7 +5106,7 @@
                 <a:latin typeface="Arial"/>
                 <a:cs typeface="Arial"/>
               </a:rPr>
-              <a:t>Conclusion</a:t>
+              <a:t>Deployment</a:t>
             </a:r>
             <a:endParaRPr lang="en-US"/>
           </a:p>
@@ -5083,7 +5117,7 @@
           <p:cNvPr id="3" name="Content Placeholder 2">
             <a:extLst>
               <a:ext uri="{FF2B5EF4-FFF2-40B4-BE49-F238E27FC236}">
-                <a16:creationId xmlns:a16="http://schemas.microsoft.com/office/drawing/2014/main" id="{80C091B1-8A02-4214-9ACB-D6364C174806}"/>
+                <a16:creationId xmlns:a16="http://schemas.microsoft.com/office/drawing/2014/main" id="{F941D584-6508-3DDC-E7F6-78D1D16EB124}"/>
               </a:ext>
             </a:extLst>
           </p:cNvPr>
@@ -5096,18 +5130,18 @@
         </p:nvSpPr>
         <p:spPr>
           <a:xfrm>
-            <a:off x="720000" y="960091"/>
-            <a:ext cx="10728325" cy="5757789"/>
+            <a:off x="720000" y="1146997"/>
+            <a:ext cx="10728325" cy="5297713"/>
           </a:xfrm>
         </p:spPr>
         <p:txBody>
           <a:bodyPr vert="horz" lIns="0" tIns="0" rIns="0" bIns="0" rtlCol="0" anchor="t">
-            <a:normAutofit fontScale="92500" lnSpcReduction="20000"/>
+            <a:normAutofit lnSpcReduction="10000"/>
           </a:bodyPr>
           <a:lstStyle/>
           <a:p>
             <a:r>
-              <a:rPr lang="en-US" sz="2400" dirty="0">
+              <a:rPr lang="en-GB" sz="2400" dirty="0">
                 <a:solidFill>
                   <a:schemeClr val="tx1">
                     <a:lumMod val="95000"/>
@@ -5116,11 +5150,11 @@
                 <a:latin typeface="Arial"/>
                 <a:cs typeface="Arial"/>
               </a:rPr>
-              <a:t>RESTful web service queries a single record from database and returns relevant employee information</a:t>
-            </a:r>
-          </a:p>
-          <a:p>
-            <a:endParaRPr lang="en-US" sz="2400" dirty="0">
+              <a:t>GitHub used to store code changes.</a:t>
+            </a:r>
+          </a:p>
+          <a:p>
+            <a:endParaRPr lang="en-GB" sz="2400" dirty="0">
               <a:solidFill>
                 <a:schemeClr val="tx1">
                   <a:lumMod val="95000"/>
@@ -5132,7 +5166,7 @@
           </a:p>
           <a:p>
             <a:r>
-              <a:rPr lang="en-US" sz="2400" dirty="0">
+              <a:rPr lang="en-GB" sz="2400" dirty="0">
                 <a:solidFill>
                   <a:schemeClr val="tx1">
                     <a:lumMod val="95000"/>
@@ -5141,11 +5175,11 @@
                 <a:latin typeface="Arial"/>
                 <a:cs typeface="Arial"/>
               </a:rPr>
-              <a:t>Jenkins utilized for CI and CD</a:t>
-            </a:r>
-          </a:p>
-          <a:p>
-            <a:endParaRPr lang="en-US" sz="2400" dirty="0">
+              <a:t>Jenkins used to compile, test and package the code via GitHub repository.</a:t>
+            </a:r>
+          </a:p>
+          <a:p>
+            <a:endParaRPr lang="en-GB" sz="2400" dirty="0">
               <a:solidFill>
                 <a:schemeClr val="tx1">
                   <a:lumMod val="95000"/>
@@ -5157,7 +5191,7 @@
           </a:p>
           <a:p>
             <a:r>
-              <a:rPr lang="en-US" sz="2400" dirty="0">
+              <a:rPr lang="en-GB" sz="2400" dirty="0">
                 <a:solidFill>
                   <a:schemeClr val="tx1">
                     <a:lumMod val="95000"/>
@@ -5166,11 +5200,11 @@
                 <a:latin typeface="Arial"/>
                 <a:cs typeface="Arial"/>
               </a:rPr>
-              <a:t>Security secured by HTTPS</a:t>
-            </a:r>
-          </a:p>
-          <a:p>
-            <a:endParaRPr lang="en-US" sz="2400" dirty="0">
+              <a:t>Jenkins used also for image creation using the docker credentials.</a:t>
+            </a:r>
+          </a:p>
+          <a:p>
+            <a:endParaRPr lang="en-GB" sz="2400" dirty="0">
               <a:solidFill>
                 <a:schemeClr val="tx1">
                   <a:lumMod val="95000"/>
@@ -5182,7 +5216,7 @@
           </a:p>
           <a:p>
             <a:r>
-              <a:rPr lang="en-US" sz="2400" dirty="0">
+              <a:rPr lang="en-GB" sz="2400" dirty="0">
                 <a:solidFill>
                   <a:schemeClr val="tx1">
                     <a:lumMod val="95000"/>
@@ -5191,11 +5225,11 @@
                 <a:latin typeface="Arial"/>
                 <a:cs typeface="Arial"/>
               </a:rPr>
-              <a:t>Sensitive Information encrypted with AES 256</a:t>
-            </a:r>
-          </a:p>
-          <a:p>
-            <a:endParaRPr lang="en-US" sz="2400" dirty="0">
+              <a:t>Kubernetes used for deployment, scaling and managing the containers.</a:t>
+            </a:r>
+          </a:p>
+          <a:p>
+            <a:endParaRPr lang="en-GB" sz="2400" dirty="0">
               <a:solidFill>
                 <a:schemeClr val="tx1">
                   <a:lumMod val="95000"/>
@@ -5207,7 +5241,7 @@
           </a:p>
           <a:p>
             <a:r>
-              <a:rPr lang="en-US" sz="2400" dirty="0">
+              <a:rPr lang="en-GB" sz="2400" dirty="0">
                 <a:solidFill>
                   <a:schemeClr val="tx1">
                     <a:lumMod val="95000"/>
@@ -5216,11 +5250,11 @@
                 <a:latin typeface="Arial"/>
                 <a:cs typeface="Arial"/>
               </a:rPr>
-              <a:t>Deployed using Kubernetes</a:t>
-            </a:r>
-          </a:p>
-          <a:p>
-            <a:endParaRPr lang="en-US" sz="2400" dirty="0">
+              <a:t>5 YML files were created (Employee Deployment, Employee Service, MySQL Deployment, MySQL Service and MySQL PVC) for Kubernetes</a:t>
+            </a:r>
+          </a:p>
+          <a:p>
+            <a:endParaRPr lang="en-GB" sz="2400" dirty="0">
               <a:solidFill>
                 <a:schemeClr val="tx1">
                   <a:lumMod val="95000"/>
@@ -5231,25 +5265,52 @@
             </a:endParaRPr>
           </a:p>
           <a:p>
-            <a:r>
-              <a:rPr lang="en-US" sz="2400" dirty="0">
-                <a:solidFill>
-                  <a:schemeClr val="tx1">
-                    <a:lumMod val="95000"/>
-                  </a:schemeClr>
-                </a:solidFill>
-                <a:latin typeface="Arial"/>
-                <a:cs typeface="Arial"/>
-              </a:rPr>
-              <a:t>Provided valuable experience in developing and deploying a secure, scalable, and containerized web service</a:t>
-            </a:r>
-          </a:p>
-        </p:txBody>
-      </p:sp>
+            <a:endParaRPr lang="en-GB" sz="2400" dirty="0">
+              <a:solidFill>
+                <a:schemeClr val="tx1">
+                  <a:lumMod val="95000"/>
+                </a:schemeClr>
+              </a:solidFill>
+              <a:latin typeface="Arial"/>
+              <a:cs typeface="Arial"/>
+            </a:endParaRPr>
+          </a:p>
+        </p:txBody>
+      </p:sp>
+      <p:pic>
+        <p:nvPicPr>
+          <p:cNvPr id="4" name="Picture 4">
+            <a:extLst>
+              <a:ext uri="{FF2B5EF4-FFF2-40B4-BE49-F238E27FC236}">
+                <a16:creationId xmlns:a16="http://schemas.microsoft.com/office/drawing/2014/main" id="{A59A41EF-02FC-F877-F996-A8417B52DBE4}"/>
+              </a:ext>
+            </a:extLst>
+          </p:cNvPr>
+          <p:cNvPicPr>
+            <a:picLocks noChangeAspect="1"/>
+          </p:cNvPicPr>
+          <p:nvPr/>
+        </p:nvPicPr>
+        <p:blipFill>
+          <a:blip r:embed="rId2"/>
+          <a:stretch>
+            <a:fillRect/>
+          </a:stretch>
+        </p:blipFill>
+        <p:spPr>
+          <a:xfrm>
+            <a:off x="483079" y="110939"/>
+            <a:ext cx="2743200" cy="741405"/>
+          </a:xfrm>
+          <a:prstGeom prst="rect">
+            <a:avLst/>
+          </a:prstGeom>
+        </p:spPr>
+      </p:pic>
     </p:spTree>
     <p:extLst>
       <p:ext uri="{BB962C8B-B14F-4D97-AF65-F5344CB8AC3E}">
-        <p14:creationId xmlns:p14="http://schemas.microsoft.com/office/powerpoint/2010/main" val="1319701383"/>
+        <p14:creationId xmlns:p14="http://schemas.microsoft.com/office/powerpoint/2010/main" val="2752366170"/>
       </p:ext>
     </p:extLst>
   </p:cSld>
@@ -5281,7 +5342,7 @@
           <p:cNvPr id="2" name="Title 1">
             <a:extLst>
               <a:ext uri="{FF2B5EF4-FFF2-40B4-BE49-F238E27FC236}">
-                <a16:creationId xmlns:a16="http://schemas.microsoft.com/office/drawing/2014/main" id="{45F0B560-CFE1-E1F2-B197-383D25D10963}"/>
+                <a16:creationId xmlns:a16="http://schemas.microsoft.com/office/drawing/2014/main" id="{596E0C82-C7FD-047C-0A27-14985B236E54}"/>
               </a:ext>
             </a:extLst>
           </p:cNvPr>
@@ -5294,8 +5355,8 @@
         </p:nvSpPr>
         <p:spPr>
           <a:xfrm>
-            <a:off x="720000" y="974"/>
-            <a:ext cx="10728322" cy="672196"/>
+            <a:off x="720000" y="101616"/>
+            <a:ext cx="10728322" cy="859101"/>
           </a:xfrm>
         </p:spPr>
         <p:txBody>
@@ -5313,7 +5374,7 @@
                 <a:latin typeface="Arial"/>
                 <a:cs typeface="Arial"/>
               </a:rPr>
-              <a:t>Future Work</a:t>
+              <a:t>Conclusion</a:t>
             </a:r>
             <a:endParaRPr lang="en-US"/>
           </a:p>
@@ -5324,7 +5385,7 @@
           <p:cNvPr id="3" name="Content Placeholder 2">
             <a:extLst>
               <a:ext uri="{FF2B5EF4-FFF2-40B4-BE49-F238E27FC236}">
-                <a16:creationId xmlns:a16="http://schemas.microsoft.com/office/drawing/2014/main" id="{45943B5D-47F7-D69F-3416-6F2F82980205}"/>
+                <a16:creationId xmlns:a16="http://schemas.microsoft.com/office/drawing/2014/main" id="{80C091B1-8A02-4214-9ACB-D6364C174806}"/>
               </a:ext>
             </a:extLst>
           </p:cNvPr>
@@ -5337,65 +5398,15 @@
         </p:nvSpPr>
         <p:spPr>
           <a:xfrm>
-            <a:off x="720000" y="1923374"/>
-            <a:ext cx="10728325" cy="3845601"/>
+            <a:off x="720000" y="960091"/>
+            <a:ext cx="10728325" cy="5757789"/>
           </a:xfrm>
         </p:spPr>
         <p:txBody>
           <a:bodyPr vert="horz" lIns="0" tIns="0" rIns="0" bIns="0" rtlCol="0" anchor="t">
-            <a:normAutofit/>
+            <a:normAutofit fontScale="92500" lnSpcReduction="20000"/>
           </a:bodyPr>
           <a:lstStyle/>
-          <a:p>
-            <a:r>
-              <a:rPr lang="en-GB" sz="2400" dirty="0">
-                <a:solidFill>
-                  <a:schemeClr val="tx1">
-                    <a:lumMod val="95000"/>
-                  </a:schemeClr>
-                </a:solidFill>
-                <a:latin typeface="Arial"/>
-                <a:cs typeface="Arial"/>
-              </a:rPr>
-              <a:t>Implement a User-Interface</a:t>
-            </a:r>
-          </a:p>
-          <a:p>
-            <a:endParaRPr lang="en-GB" sz="2400" dirty="0">
-              <a:solidFill>
-                <a:schemeClr val="tx1">
-                  <a:lumMod val="95000"/>
-                </a:schemeClr>
-              </a:solidFill>
-              <a:latin typeface="Arial"/>
-              <a:cs typeface="Arial"/>
-            </a:endParaRPr>
-          </a:p>
-          <a:p>
-            <a:r>
-              <a:rPr lang="en-GB" sz="2400" dirty="0">
-                <a:solidFill>
-                  <a:schemeClr val="tx1">
-                    <a:lumMod val="95000"/>
-                  </a:schemeClr>
-                </a:solidFill>
-                <a:latin typeface="Arial"/>
-                <a:cs typeface="Arial"/>
-              </a:rPr>
-              <a:t>Integration with third party services</a:t>
-            </a:r>
-          </a:p>
-          <a:p>
-            <a:endParaRPr lang="en-GB" sz="2400" dirty="0">
-              <a:solidFill>
-                <a:schemeClr val="tx1">
-                  <a:lumMod val="95000"/>
-                </a:schemeClr>
-              </a:solidFill>
-              <a:latin typeface="Arial"/>
-              <a:cs typeface="Arial"/>
-            </a:endParaRPr>
-          </a:p>
           <a:p>
             <a:r>
               <a:rPr lang="en-US" sz="2400" dirty="0">
@@ -5407,9 +5418,11 @@
                 <a:latin typeface="Arial"/>
                 <a:cs typeface="Arial"/>
               </a:rPr>
-              <a:t>Optimize Containerization and Deployment</a:t>
-            </a:r>
-            <a:endParaRPr lang="en-GB" sz="2400" dirty="0">
+              <a:t>RESTful web service queries a single record from database and returns relevant employee information</a:t>
+            </a:r>
+          </a:p>
+          <a:p>
+            <a:endParaRPr lang="en-US" sz="2400" dirty="0">
               <a:solidFill>
                 <a:schemeClr val="tx1">
                   <a:lumMod val="95000"/>
@@ -5419,12 +5432,156 @@
               <a:cs typeface="Arial"/>
             </a:endParaRPr>
           </a:p>
-        </p:txBody>
-      </p:sp>
+          <a:p>
+            <a:r>
+              <a:rPr lang="en-US" sz="2400" dirty="0">
+                <a:solidFill>
+                  <a:schemeClr val="tx1">
+                    <a:lumMod val="95000"/>
+                  </a:schemeClr>
+                </a:solidFill>
+                <a:latin typeface="Arial"/>
+                <a:cs typeface="Arial"/>
+              </a:rPr>
+              <a:t>Jenkins utilized for CI and CD</a:t>
+            </a:r>
+          </a:p>
+          <a:p>
+            <a:endParaRPr lang="en-US" sz="2400" dirty="0">
+              <a:solidFill>
+                <a:schemeClr val="tx1">
+                  <a:lumMod val="95000"/>
+                </a:schemeClr>
+              </a:solidFill>
+              <a:latin typeface="Arial"/>
+              <a:cs typeface="Arial"/>
+            </a:endParaRPr>
+          </a:p>
+          <a:p>
+            <a:r>
+              <a:rPr lang="en-US" sz="2400" dirty="0">
+                <a:solidFill>
+                  <a:schemeClr val="tx1">
+                    <a:lumMod val="95000"/>
+                  </a:schemeClr>
+                </a:solidFill>
+                <a:latin typeface="Arial"/>
+                <a:cs typeface="Arial"/>
+              </a:rPr>
+              <a:t>Security secured by HTTPS</a:t>
+            </a:r>
+          </a:p>
+          <a:p>
+            <a:endParaRPr lang="en-US" sz="2400" dirty="0">
+              <a:solidFill>
+                <a:schemeClr val="tx1">
+                  <a:lumMod val="95000"/>
+                </a:schemeClr>
+              </a:solidFill>
+              <a:latin typeface="Arial"/>
+              <a:cs typeface="Arial"/>
+            </a:endParaRPr>
+          </a:p>
+          <a:p>
+            <a:r>
+              <a:rPr lang="en-US" sz="2400" dirty="0">
+                <a:solidFill>
+                  <a:schemeClr val="tx1">
+                    <a:lumMod val="95000"/>
+                  </a:schemeClr>
+                </a:solidFill>
+                <a:latin typeface="Arial"/>
+                <a:cs typeface="Arial"/>
+              </a:rPr>
+              <a:t>Sensitive Information encrypted with AES 256</a:t>
+            </a:r>
+          </a:p>
+          <a:p>
+            <a:endParaRPr lang="en-US" sz="2400" dirty="0">
+              <a:solidFill>
+                <a:schemeClr val="tx1">
+                  <a:lumMod val="95000"/>
+                </a:schemeClr>
+              </a:solidFill>
+              <a:latin typeface="Arial"/>
+              <a:cs typeface="Arial"/>
+            </a:endParaRPr>
+          </a:p>
+          <a:p>
+            <a:r>
+              <a:rPr lang="en-US" sz="2400" dirty="0">
+                <a:solidFill>
+                  <a:schemeClr val="tx1">
+                    <a:lumMod val="95000"/>
+                  </a:schemeClr>
+                </a:solidFill>
+                <a:latin typeface="Arial"/>
+                <a:cs typeface="Arial"/>
+              </a:rPr>
+              <a:t>Deployed using Kubernetes</a:t>
+            </a:r>
+          </a:p>
+          <a:p>
+            <a:endParaRPr lang="en-US" sz="2400" dirty="0">
+              <a:solidFill>
+                <a:schemeClr val="tx1">
+                  <a:lumMod val="95000"/>
+                </a:schemeClr>
+              </a:solidFill>
+              <a:latin typeface="Arial"/>
+              <a:cs typeface="Arial"/>
+            </a:endParaRPr>
+          </a:p>
+          <a:p>
+            <a:r>
+              <a:rPr lang="en-US" sz="2400" dirty="0">
+                <a:solidFill>
+                  <a:schemeClr val="tx1">
+                    <a:lumMod val="95000"/>
+                  </a:schemeClr>
+                </a:solidFill>
+                <a:latin typeface="Arial"/>
+                <a:cs typeface="Arial"/>
+              </a:rPr>
+              <a:t>Provided valuable experience in developing and deploying a secure, scalable, and containerized web service</a:t>
+            </a:r>
+          </a:p>
+        </p:txBody>
+      </p:sp>
+      <p:pic>
+        <p:nvPicPr>
+          <p:cNvPr id="4" name="Picture 4">
+            <a:extLst>
+              <a:ext uri="{FF2B5EF4-FFF2-40B4-BE49-F238E27FC236}">
+                <a16:creationId xmlns:a16="http://schemas.microsoft.com/office/drawing/2014/main" id="{3FAB7C75-58BD-2028-9A0F-45D2319096C7}"/>
+              </a:ext>
+            </a:extLst>
+          </p:cNvPr>
+          <p:cNvPicPr>
+            <a:picLocks noChangeAspect="1"/>
+          </p:cNvPicPr>
+          <p:nvPr/>
+        </p:nvPicPr>
+        <p:blipFill>
+          <a:blip r:embed="rId2"/>
+          <a:stretch>
+            <a:fillRect/>
+          </a:stretch>
+        </p:blipFill>
+        <p:spPr>
+          <a:xfrm>
+            <a:off x="497457" y="-4080"/>
+            <a:ext cx="2743200" cy="741405"/>
+          </a:xfrm>
+          <a:prstGeom prst="rect">
+            <a:avLst/>
+          </a:prstGeom>
+        </p:spPr>
+      </p:pic>
     </p:spTree>
     <p:extLst>
       <p:ext uri="{BB962C8B-B14F-4D97-AF65-F5344CB8AC3E}">
-        <p14:creationId xmlns:p14="http://schemas.microsoft.com/office/powerpoint/2010/main" val="3837475058"/>
+        <p14:creationId xmlns:p14="http://schemas.microsoft.com/office/powerpoint/2010/main" val="1319701383"/>
       </p:ext>
     </p:extLst>
   </p:cSld>
@@ -5456,7 +5613,7 @@
           <p:cNvPr id="2" name="Title 1">
             <a:extLst>
               <a:ext uri="{FF2B5EF4-FFF2-40B4-BE49-F238E27FC236}">
-                <a16:creationId xmlns:a16="http://schemas.microsoft.com/office/drawing/2014/main" id="{F285491B-103A-7888-9E4A-FBB9E9BA427D}"/>
+                <a16:creationId xmlns:a16="http://schemas.microsoft.com/office/drawing/2014/main" id="{45F0B560-CFE1-E1F2-B197-383D25D10963}"/>
               </a:ext>
             </a:extLst>
           </p:cNvPr>
@@ -5470,7 +5627,7 @@
         <p:spPr>
           <a:xfrm>
             <a:off x="720000" y="974"/>
-            <a:ext cx="10728322" cy="629064"/>
+            <a:ext cx="10728322" cy="672196"/>
           </a:xfrm>
         </p:spPr>
         <p:txBody>
@@ -5488,8 +5645,9 @@
                 <a:latin typeface="Arial"/>
                 <a:cs typeface="Arial"/>
               </a:rPr>
-              <a:t>References</a:t>
-            </a:r>
+              <a:t>Future Work</a:t>
+            </a:r>
+            <a:endParaRPr lang="en-US"/>
           </a:p>
         </p:txBody>
       </p:sp>
@@ -5498,7 +5656,7 @@
           <p:cNvPr id="3" name="Content Placeholder 2">
             <a:extLst>
               <a:ext uri="{FF2B5EF4-FFF2-40B4-BE49-F238E27FC236}">
-                <a16:creationId xmlns:a16="http://schemas.microsoft.com/office/drawing/2014/main" id="{DDF5CCC7-7365-51BF-D107-F6C8C077E423}"/>
+                <a16:creationId xmlns:a16="http://schemas.microsoft.com/office/drawing/2014/main" id="{45943B5D-47F7-D69F-3416-6F2F82980205}"/>
               </a:ext>
             </a:extLst>
           </p:cNvPr>
@@ -5511,8 +5669,8 @@
         </p:nvSpPr>
         <p:spPr>
           <a:xfrm>
-            <a:off x="720000" y="1190129"/>
-            <a:ext cx="10728325" cy="4967034"/>
+            <a:off x="720000" y="1923374"/>
+            <a:ext cx="10728325" cy="3845601"/>
           </a:xfrm>
         </p:spPr>
         <p:txBody>
@@ -5521,18 +5679,56 @@
           </a:bodyPr>
           <a:lstStyle/>
           <a:p>
-            <a:pPr>
-              <a:lnSpc>
-                <a:spcPct val="90000"/>
-              </a:lnSpc>
-              <a:spcBef>
-                <a:spcPts val="0"/>
-              </a:spcBef>
-              <a:spcAft>
-                <a:spcPts val="600"/>
-              </a:spcAft>
-              <a:buFont typeface="Arial,Sans-Serif" panose="03070A02030502020204" pitchFamily="66" charset="0"/>
-            </a:pPr>
+            <a:r>
+              <a:rPr lang="en-GB" sz="2400" dirty="0">
+                <a:solidFill>
+                  <a:schemeClr val="tx1">
+                    <a:lumMod val="95000"/>
+                  </a:schemeClr>
+                </a:solidFill>
+                <a:latin typeface="Arial"/>
+                <a:cs typeface="Arial"/>
+              </a:rPr>
+              <a:t>Implement a User-Interface</a:t>
+            </a:r>
+          </a:p>
+          <a:p>
+            <a:endParaRPr lang="en-GB" sz="2400" dirty="0">
+              <a:solidFill>
+                <a:schemeClr val="tx1">
+                  <a:lumMod val="95000"/>
+                </a:schemeClr>
+              </a:solidFill>
+              <a:latin typeface="Arial"/>
+              <a:cs typeface="Arial"/>
+            </a:endParaRPr>
+          </a:p>
+          <a:p>
+            <a:r>
+              <a:rPr lang="en-GB" sz="2400" dirty="0">
+                <a:solidFill>
+                  <a:schemeClr val="tx1">
+                    <a:lumMod val="95000"/>
+                  </a:schemeClr>
+                </a:solidFill>
+                <a:latin typeface="Arial"/>
+                <a:cs typeface="Arial"/>
+              </a:rPr>
+              <a:t>Integration with third party services</a:t>
+            </a:r>
+          </a:p>
+          <a:p>
+            <a:endParaRPr lang="en-GB" sz="2400" dirty="0">
+              <a:solidFill>
+                <a:schemeClr val="tx1">
+                  <a:lumMod val="95000"/>
+                </a:schemeClr>
+              </a:solidFill>
+              <a:latin typeface="Arial"/>
+              <a:cs typeface="Arial"/>
+            </a:endParaRPr>
+          </a:p>
+          <a:p>
             <a:r>
               <a:rPr lang="en-US" sz="2400" dirty="0">
                 <a:solidFill>
@@ -5543,23 +5739,9 @@
                 <a:latin typeface="Arial"/>
                 <a:cs typeface="Arial"/>
               </a:rPr>
-              <a:t>Spring framework documentation(2022)</a:t>
-            </a:r>
-          </a:p>
-          <a:p>
-            <a:pPr>
-              <a:lnSpc>
-                <a:spcPct val="90000"/>
-              </a:lnSpc>
-              <a:spcBef>
-                <a:spcPts val="0"/>
-              </a:spcBef>
-              <a:spcAft>
-                <a:spcPts val="600"/>
-              </a:spcAft>
-              <a:buFont typeface="Arial,Sans-Serif" panose="03070A02030502020204" pitchFamily="66" charset="0"/>
-            </a:pPr>
-            <a:endParaRPr lang="en-US" sz="2400" dirty="0">
+              <a:t>Optimize Containerization and Deployment</a:t>
+            </a:r>
+            <a:endParaRPr lang="en-GB" sz="2400" dirty="0">
               <a:solidFill>
                 <a:schemeClr val="tx1">
                   <a:lumMod val="95000"/>
@@ -5569,290 +5751,42 @@
               <a:cs typeface="Arial"/>
             </a:endParaRPr>
           </a:p>
-          <a:p>
-            <a:pPr>
-              <a:lnSpc>
-                <a:spcPct val="90000"/>
-              </a:lnSpc>
-              <a:spcBef>
-                <a:spcPts val="0"/>
-              </a:spcBef>
-              <a:spcAft>
-                <a:spcPts val="600"/>
-              </a:spcAft>
-              <a:buFont typeface="Arial,Sans-Serif" panose="03070A02030502020204" pitchFamily="66" charset="0"/>
-            </a:pPr>
-            <a:r>
-              <a:rPr lang="en-IN" sz="2400" dirty="0">
-                <a:solidFill>
-                  <a:schemeClr val="tx1">
-                    <a:lumMod val="95000"/>
-                  </a:schemeClr>
-                </a:solidFill>
-                <a:latin typeface="Arial"/>
-                <a:cs typeface="Arial"/>
-              </a:rPr>
-              <a:t>Https self-signed certificate reference</a:t>
-            </a:r>
-            <a:endParaRPr lang="en-US" sz="2400" dirty="0">
-              <a:solidFill>
-                <a:schemeClr val="tx1">
-                  <a:lumMod val="95000"/>
-                </a:schemeClr>
-              </a:solidFill>
-              <a:latin typeface="Arial"/>
-              <a:cs typeface="Arial"/>
-            </a:endParaRPr>
-          </a:p>
-          <a:p>
-            <a:pPr>
-              <a:lnSpc>
-                <a:spcPct val="90000"/>
-              </a:lnSpc>
-              <a:spcBef>
-                <a:spcPts val="0"/>
-              </a:spcBef>
-              <a:spcAft>
-                <a:spcPts val="600"/>
-              </a:spcAft>
-              <a:buFont typeface="Arial,Sans-Serif" panose="03070A02030502020204" pitchFamily="66" charset="0"/>
-            </a:pPr>
-            <a:endParaRPr lang="en-IN" sz="2400" dirty="0">
-              <a:solidFill>
-                <a:schemeClr val="tx1">
-                  <a:lumMod val="95000"/>
-                </a:schemeClr>
-              </a:solidFill>
-              <a:latin typeface="Arial"/>
-              <a:cs typeface="Arial"/>
-            </a:endParaRPr>
-          </a:p>
-          <a:p>
-            <a:pPr>
-              <a:lnSpc>
-                <a:spcPct val="90000"/>
-              </a:lnSpc>
-              <a:spcBef>
-                <a:spcPts val="0"/>
-              </a:spcBef>
-              <a:spcAft>
-                <a:spcPts val="600"/>
-              </a:spcAft>
-              <a:buFont typeface="Arial,Sans-Serif" panose="03070A02030502020204" pitchFamily="66" charset="0"/>
-            </a:pPr>
-            <a:r>
-              <a:rPr lang="en-US" sz="2400" dirty="0">
-                <a:solidFill>
-                  <a:schemeClr val="tx1">
-                    <a:lumMod val="95000"/>
-                  </a:schemeClr>
-                </a:solidFill>
-                <a:latin typeface="Arial"/>
-                <a:cs typeface="Arial"/>
-              </a:rPr>
-              <a:t>AES256 encryption-decryption </a:t>
-            </a:r>
-            <a:endParaRPr lang="en-IN" sz="2400" dirty="0">
-              <a:solidFill>
-                <a:schemeClr val="tx1">
-                  <a:lumMod val="95000"/>
-                </a:schemeClr>
-              </a:solidFill>
-              <a:latin typeface="Arial"/>
-              <a:cs typeface="Arial"/>
-            </a:endParaRPr>
-          </a:p>
-          <a:p>
-            <a:pPr>
-              <a:lnSpc>
-                <a:spcPct val="90000"/>
-              </a:lnSpc>
-              <a:spcBef>
-                <a:spcPts val="0"/>
-              </a:spcBef>
-              <a:spcAft>
-                <a:spcPts val="600"/>
-              </a:spcAft>
-              <a:buFont typeface="Arial,Sans-Serif" panose="03070A02030502020204" pitchFamily="66" charset="0"/>
-            </a:pPr>
-            <a:endParaRPr lang="en-US" sz="2400" dirty="0">
-              <a:solidFill>
-                <a:schemeClr val="tx1">
-                  <a:lumMod val="95000"/>
-                </a:schemeClr>
-              </a:solidFill>
-              <a:latin typeface="Arial"/>
-              <a:cs typeface="Arial"/>
-            </a:endParaRPr>
-          </a:p>
-          <a:p>
-            <a:pPr>
-              <a:lnSpc>
-                <a:spcPct val="90000"/>
-              </a:lnSpc>
-              <a:spcBef>
-                <a:spcPts val="0"/>
-              </a:spcBef>
-              <a:spcAft>
-                <a:spcPts val="600"/>
-              </a:spcAft>
-              <a:buFont typeface="Arial,Sans-Serif" panose="03070A02030502020204" pitchFamily="66" charset="0"/>
-            </a:pPr>
-            <a:r>
-              <a:rPr lang="en-IN" sz="2400" dirty="0">
-                <a:solidFill>
-                  <a:schemeClr val="tx1">
-                    <a:lumMod val="95000"/>
-                  </a:schemeClr>
-                </a:solidFill>
-                <a:latin typeface="Arial"/>
-                <a:cs typeface="Arial"/>
-              </a:rPr>
-              <a:t>Jenkins automation tool</a:t>
-            </a:r>
-            <a:endParaRPr lang="en-US" sz="2400" dirty="0">
-              <a:solidFill>
-                <a:schemeClr val="tx1">
-                  <a:lumMod val="95000"/>
-                </a:schemeClr>
-              </a:solidFill>
-              <a:latin typeface="Arial"/>
-              <a:cs typeface="Arial"/>
-            </a:endParaRPr>
-          </a:p>
-          <a:p>
-            <a:pPr>
-              <a:lnSpc>
-                <a:spcPct val="90000"/>
-              </a:lnSpc>
-              <a:spcBef>
-                <a:spcPts val="0"/>
-              </a:spcBef>
-              <a:spcAft>
-                <a:spcPts val="600"/>
-              </a:spcAft>
-              <a:buFont typeface="Arial,Sans-Serif" panose="03070A02030502020204" pitchFamily="66" charset="0"/>
-            </a:pPr>
-            <a:endParaRPr lang="en-IN" sz="2400" dirty="0">
-              <a:solidFill>
-                <a:schemeClr val="tx1">
-                  <a:lumMod val="95000"/>
-                </a:schemeClr>
-              </a:solidFill>
-              <a:latin typeface="Arial"/>
-              <a:cs typeface="Arial"/>
-            </a:endParaRPr>
-          </a:p>
-          <a:p>
-            <a:pPr>
-              <a:lnSpc>
-                <a:spcPct val="90000"/>
-              </a:lnSpc>
-              <a:spcBef>
-                <a:spcPts val="0"/>
-              </a:spcBef>
-              <a:spcAft>
-                <a:spcPts val="600"/>
-              </a:spcAft>
-              <a:buFont typeface="Arial,Sans-Serif" panose="03070A02030502020204" pitchFamily="66" charset="0"/>
-            </a:pPr>
-            <a:r>
-              <a:rPr lang="en-IN" sz="2400" dirty="0">
-                <a:solidFill>
-                  <a:schemeClr val="tx1">
-                    <a:lumMod val="95000"/>
-                  </a:schemeClr>
-                </a:solidFill>
-                <a:latin typeface="Arial"/>
-                <a:cs typeface="Arial"/>
-              </a:rPr>
-              <a:t>Docker Documentation</a:t>
-            </a:r>
-            <a:endParaRPr lang="en-US" sz="2400" dirty="0">
-              <a:solidFill>
-                <a:schemeClr val="tx1">
-                  <a:lumMod val="95000"/>
-                </a:schemeClr>
-              </a:solidFill>
-              <a:latin typeface="Arial"/>
-              <a:cs typeface="Arial"/>
-            </a:endParaRPr>
-          </a:p>
-          <a:p>
-            <a:pPr>
-              <a:lnSpc>
-                <a:spcPct val="90000"/>
-              </a:lnSpc>
-              <a:spcBef>
-                <a:spcPts val="0"/>
-              </a:spcBef>
-              <a:spcAft>
-                <a:spcPts val="600"/>
-              </a:spcAft>
-              <a:buFont typeface="Arial,Sans-Serif" panose="03070A02030502020204" pitchFamily="66" charset="0"/>
-            </a:pPr>
-            <a:endParaRPr lang="en-IN" sz="2400" dirty="0">
-              <a:solidFill>
-                <a:schemeClr val="tx1">
-                  <a:lumMod val="95000"/>
-                </a:schemeClr>
-              </a:solidFill>
-              <a:latin typeface="Arial"/>
-              <a:cs typeface="Arial"/>
-            </a:endParaRPr>
-          </a:p>
-          <a:p>
-            <a:pPr>
-              <a:lnSpc>
-                <a:spcPct val="90000"/>
-              </a:lnSpc>
-              <a:spcBef>
-                <a:spcPts val="0"/>
-              </a:spcBef>
-              <a:spcAft>
-                <a:spcPts val="600"/>
-              </a:spcAft>
-              <a:buFont typeface="Arial,Sans-Serif" panose="03070A02030502020204" pitchFamily="66" charset="0"/>
-            </a:pPr>
-            <a:r>
-              <a:rPr lang="en-IN" sz="2400" dirty="0">
-                <a:solidFill>
-                  <a:schemeClr val="tx1">
-                    <a:lumMod val="95000"/>
-                  </a:schemeClr>
-                </a:solidFill>
-                <a:latin typeface="Arial"/>
-                <a:cs typeface="Arial"/>
-              </a:rPr>
-              <a:t>Kubernetes Documentation</a:t>
-            </a:r>
-            <a:endParaRPr lang="en-US" sz="2400" dirty="0">
-              <a:solidFill>
-                <a:schemeClr val="tx1">
-                  <a:lumMod val="95000"/>
-                </a:schemeClr>
-              </a:solidFill>
-              <a:latin typeface="Arial"/>
-              <a:cs typeface="Arial"/>
-            </a:endParaRPr>
-          </a:p>
-          <a:p>
-            <a:endParaRPr lang="en-GB" dirty="0">
-              <a:solidFill>
-                <a:schemeClr val="tx1">
-                  <a:lumMod val="95000"/>
-                </a:schemeClr>
-              </a:solidFill>
-              <a:latin typeface="Arial"/>
-              <a:cs typeface="Arial"/>
-            </a:endParaRPr>
-          </a:p>
-        </p:txBody>
-      </p:sp>
+        </p:txBody>
+      </p:sp>
+      <p:pic>
+        <p:nvPicPr>
+          <p:cNvPr id="4" name="Picture 4">
+            <a:extLst>
+              <a:ext uri="{FF2B5EF4-FFF2-40B4-BE49-F238E27FC236}">
+                <a16:creationId xmlns:a16="http://schemas.microsoft.com/office/drawing/2014/main" id="{8E144B15-25D7-42C2-4F13-DC714510F0F7}"/>
+              </a:ext>
+            </a:extLst>
+          </p:cNvPr>
+          <p:cNvPicPr>
+            <a:picLocks noChangeAspect="1"/>
+          </p:cNvPicPr>
+          <p:nvPr/>
+        </p:nvPicPr>
+        <p:blipFill>
+          <a:blip r:embed="rId2"/>
+          <a:stretch>
+            <a:fillRect/>
+          </a:stretch>
+        </p:blipFill>
+        <p:spPr>
+          <a:xfrm>
+            <a:off x="598098" y="-4080"/>
+            <a:ext cx="2743200" cy="741405"/>
+          </a:xfrm>
+          <a:prstGeom prst="rect">
+            <a:avLst/>
+          </a:prstGeom>
+        </p:spPr>
+      </p:pic>
     </p:spTree>
     <p:extLst>
       <p:ext uri="{BB962C8B-B14F-4D97-AF65-F5344CB8AC3E}">
-        <p14:creationId xmlns:p14="http://schemas.microsoft.com/office/powerpoint/2010/main" val="3355846812"/>
+        <p14:creationId xmlns:p14="http://schemas.microsoft.com/office/powerpoint/2010/main" val="3837475058"/>
       </p:ext>
     </p:extLst>
   </p:cSld>
@@ -5884,7 +5818,7 @@
           <p:cNvPr id="2" name="Title 1">
             <a:extLst>
               <a:ext uri="{FF2B5EF4-FFF2-40B4-BE49-F238E27FC236}">
-                <a16:creationId xmlns:a16="http://schemas.microsoft.com/office/drawing/2014/main" id="{2BA078E5-8D50-A375-20F3-3598057B2040}"/>
+                <a16:creationId xmlns:a16="http://schemas.microsoft.com/office/drawing/2014/main" id="{F285491B-103A-7888-9E4A-FBB9E9BA427D}"/>
               </a:ext>
             </a:extLst>
           </p:cNvPr>
@@ -5897,8 +5831,8 @@
         </p:nvSpPr>
         <p:spPr>
           <a:xfrm>
-            <a:off x="720000" y="159125"/>
-            <a:ext cx="10728322" cy="859102"/>
+            <a:off x="720000" y="974"/>
+            <a:ext cx="10728322" cy="629064"/>
           </a:xfrm>
         </p:spPr>
         <p:txBody>
@@ -5916,9 +5850,8 @@
                 <a:latin typeface="Arial"/>
                 <a:cs typeface="Arial"/>
               </a:rPr>
-              <a:t>Appendices</a:t>
-            </a:r>
-            <a:endParaRPr lang="en-US"/>
+              <a:t>References</a:t>
+            </a:r>
           </a:p>
         </p:txBody>
       </p:sp>
@@ -5927,7 +5860,7 @@
           <p:cNvPr id="3" name="Content Placeholder 2">
             <a:extLst>
               <a:ext uri="{FF2B5EF4-FFF2-40B4-BE49-F238E27FC236}">
-                <a16:creationId xmlns:a16="http://schemas.microsoft.com/office/drawing/2014/main" id="{C13058CB-E0D5-3C88-06E5-341E8584E147}"/>
+                <a16:creationId xmlns:a16="http://schemas.microsoft.com/office/drawing/2014/main" id="{DDF5CCC7-7365-51BF-D107-F6C8C077E423}"/>
               </a:ext>
             </a:extLst>
           </p:cNvPr>
@@ -5940,8 +5873,8 @@
         </p:nvSpPr>
         <p:spPr>
           <a:xfrm>
-            <a:off x="720000" y="1103865"/>
-            <a:ext cx="2490099" cy="438167"/>
+            <a:off x="720000" y="1190129"/>
+            <a:ext cx="10728325" cy="4967034"/>
           </a:xfrm>
         </p:spPr>
         <p:txBody>
@@ -5950,11 +5883,20 @@
           </a:bodyPr>
           <a:lstStyle/>
           <a:p>
-            <a:pPr marL="0" indent="0">
-              <a:buNone/>
+            <a:pPr>
+              <a:lnSpc>
+                <a:spcPct val="90000"/>
+              </a:lnSpc>
+              <a:spcBef>
+                <a:spcPts val="0"/>
+              </a:spcBef>
+              <a:spcAft>
+                <a:spcPts val="600"/>
+              </a:spcAft>
+              <a:buFont typeface="Arial,Sans-Serif" panose="03070A02030502020204" pitchFamily="66" charset="0"/>
             </a:pPr>
             <a:r>
-              <a:rPr lang="en-GB" sz="2400">
+              <a:rPr lang="en-US" sz="2400" dirty="0">
                 <a:solidFill>
                   <a:schemeClr val="tx1">
                     <a:lumMod val="95000"/>
@@ -5963,17 +5905,318 @@
                 <a:latin typeface="Arial"/>
                 <a:cs typeface="Arial"/>
               </a:rPr>
-              <a:t>Employee table</a:t>
-            </a:r>
+              <a:t>Spring framework documentation(2022)</a:t>
+            </a:r>
+          </a:p>
+          <a:p>
+            <a:pPr>
+              <a:lnSpc>
+                <a:spcPct val="90000"/>
+              </a:lnSpc>
+              <a:spcBef>
+                <a:spcPts val="0"/>
+              </a:spcBef>
+              <a:spcAft>
+                <a:spcPts val="600"/>
+              </a:spcAft>
+              <a:buFont typeface="Arial,Sans-Serif" panose="03070A02030502020204" pitchFamily="66" charset="0"/>
+            </a:pPr>
+            <a:endParaRPr lang="en-US" sz="2400" dirty="0">
+              <a:solidFill>
+                <a:schemeClr val="tx1">
+                  <a:lumMod val="95000"/>
+                </a:schemeClr>
+              </a:solidFill>
+              <a:latin typeface="Arial"/>
+              <a:cs typeface="Arial"/>
+            </a:endParaRPr>
+          </a:p>
+          <a:p>
+            <a:pPr>
+              <a:lnSpc>
+                <a:spcPct val="90000"/>
+              </a:lnSpc>
+              <a:spcBef>
+                <a:spcPts val="0"/>
+              </a:spcBef>
+              <a:spcAft>
+                <a:spcPts val="600"/>
+              </a:spcAft>
+              <a:buFont typeface="Arial,Sans-Serif" panose="03070A02030502020204" pitchFamily="66" charset="0"/>
+            </a:pPr>
+            <a:r>
+              <a:rPr lang="en-IN" sz="2400" dirty="0">
+                <a:solidFill>
+                  <a:schemeClr val="tx1">
+                    <a:lumMod val="95000"/>
+                  </a:schemeClr>
+                </a:solidFill>
+                <a:latin typeface="Arial"/>
+                <a:cs typeface="Arial"/>
+              </a:rPr>
+              <a:t>Https self-signed certificate reference</a:t>
+            </a:r>
+            <a:endParaRPr lang="en-US" sz="2400" dirty="0">
+              <a:solidFill>
+                <a:schemeClr val="tx1">
+                  <a:lumMod val="95000"/>
+                </a:schemeClr>
+              </a:solidFill>
+              <a:latin typeface="Arial"/>
+              <a:cs typeface="Arial"/>
+            </a:endParaRPr>
+          </a:p>
+          <a:p>
+            <a:pPr>
+              <a:lnSpc>
+                <a:spcPct val="90000"/>
+              </a:lnSpc>
+              <a:spcBef>
+                <a:spcPts val="0"/>
+              </a:spcBef>
+              <a:spcAft>
+                <a:spcPts val="600"/>
+              </a:spcAft>
+              <a:buFont typeface="Arial,Sans-Serif" panose="03070A02030502020204" pitchFamily="66" charset="0"/>
+            </a:pPr>
+            <a:endParaRPr lang="en-IN" sz="2400" dirty="0">
+              <a:solidFill>
+                <a:schemeClr val="tx1">
+                  <a:lumMod val="95000"/>
+                </a:schemeClr>
+              </a:solidFill>
+              <a:latin typeface="Arial"/>
+              <a:cs typeface="Arial"/>
+            </a:endParaRPr>
+          </a:p>
+          <a:p>
+            <a:pPr>
+              <a:lnSpc>
+                <a:spcPct val="90000"/>
+              </a:lnSpc>
+              <a:spcBef>
+                <a:spcPts val="0"/>
+              </a:spcBef>
+              <a:spcAft>
+                <a:spcPts val="600"/>
+              </a:spcAft>
+              <a:buFont typeface="Arial,Sans-Serif" panose="03070A02030502020204" pitchFamily="66" charset="0"/>
+            </a:pPr>
+            <a:r>
+              <a:rPr lang="en-US" sz="2400" dirty="0">
+                <a:solidFill>
+                  <a:schemeClr val="tx1">
+                    <a:lumMod val="95000"/>
+                  </a:schemeClr>
+                </a:solidFill>
+                <a:latin typeface="Arial"/>
+                <a:cs typeface="Arial"/>
+              </a:rPr>
+              <a:t>AES256 encryption-decryption </a:t>
+            </a:r>
+            <a:endParaRPr lang="en-IN" sz="2400" dirty="0">
+              <a:solidFill>
+                <a:schemeClr val="tx1">
+                  <a:lumMod val="95000"/>
+                </a:schemeClr>
+              </a:solidFill>
+              <a:latin typeface="Arial"/>
+              <a:cs typeface="Arial"/>
+            </a:endParaRPr>
+          </a:p>
+          <a:p>
+            <a:pPr>
+              <a:lnSpc>
+                <a:spcPct val="90000"/>
+              </a:lnSpc>
+              <a:spcBef>
+                <a:spcPts val="0"/>
+              </a:spcBef>
+              <a:spcAft>
+                <a:spcPts val="600"/>
+              </a:spcAft>
+              <a:buFont typeface="Arial,Sans-Serif" panose="03070A02030502020204" pitchFamily="66" charset="0"/>
+            </a:pPr>
+            <a:endParaRPr lang="en-US" sz="2400" dirty="0">
+              <a:solidFill>
+                <a:schemeClr val="tx1">
+                  <a:lumMod val="95000"/>
+                </a:schemeClr>
+              </a:solidFill>
+              <a:latin typeface="Arial"/>
+              <a:cs typeface="Arial"/>
+            </a:endParaRPr>
+          </a:p>
+          <a:p>
+            <a:pPr>
+              <a:lnSpc>
+                <a:spcPct val="90000"/>
+              </a:lnSpc>
+              <a:spcBef>
+                <a:spcPts val="0"/>
+              </a:spcBef>
+              <a:spcAft>
+                <a:spcPts val="600"/>
+              </a:spcAft>
+              <a:buFont typeface="Arial,Sans-Serif" panose="03070A02030502020204" pitchFamily="66" charset="0"/>
+            </a:pPr>
+            <a:r>
+              <a:rPr lang="en-IN" sz="2400" dirty="0">
+                <a:solidFill>
+                  <a:schemeClr val="tx1">
+                    <a:lumMod val="95000"/>
+                  </a:schemeClr>
+                </a:solidFill>
+                <a:latin typeface="Arial"/>
+                <a:cs typeface="Arial"/>
+              </a:rPr>
+              <a:t>Jenkins automation tool</a:t>
+            </a:r>
+            <a:endParaRPr lang="en-US" sz="2400" dirty="0">
+              <a:solidFill>
+                <a:schemeClr val="tx1">
+                  <a:lumMod val="95000"/>
+                </a:schemeClr>
+              </a:solidFill>
+              <a:latin typeface="Arial"/>
+              <a:cs typeface="Arial"/>
+            </a:endParaRPr>
+          </a:p>
+          <a:p>
+            <a:pPr>
+              <a:lnSpc>
+                <a:spcPct val="90000"/>
+              </a:lnSpc>
+              <a:spcBef>
+                <a:spcPts val="0"/>
+              </a:spcBef>
+              <a:spcAft>
+                <a:spcPts val="600"/>
+              </a:spcAft>
+              <a:buFont typeface="Arial,Sans-Serif" panose="03070A02030502020204" pitchFamily="66" charset="0"/>
+            </a:pPr>
+            <a:endParaRPr lang="en-IN" sz="2400" dirty="0">
+              <a:solidFill>
+                <a:schemeClr val="tx1">
+                  <a:lumMod val="95000"/>
+                </a:schemeClr>
+              </a:solidFill>
+              <a:latin typeface="Arial"/>
+              <a:cs typeface="Arial"/>
+            </a:endParaRPr>
+          </a:p>
+          <a:p>
+            <a:pPr>
+              <a:lnSpc>
+                <a:spcPct val="90000"/>
+              </a:lnSpc>
+              <a:spcBef>
+                <a:spcPts val="0"/>
+              </a:spcBef>
+              <a:spcAft>
+                <a:spcPts val="600"/>
+              </a:spcAft>
+              <a:buFont typeface="Arial,Sans-Serif" panose="03070A02030502020204" pitchFamily="66" charset="0"/>
+            </a:pPr>
+            <a:r>
+              <a:rPr lang="en-IN" sz="2400" dirty="0">
+                <a:solidFill>
+                  <a:schemeClr val="tx1">
+                    <a:lumMod val="95000"/>
+                  </a:schemeClr>
+                </a:solidFill>
+                <a:latin typeface="Arial"/>
+                <a:cs typeface="Arial"/>
+              </a:rPr>
+              <a:t>Docker Documentation</a:t>
+            </a:r>
+            <a:endParaRPr lang="en-US" sz="2400" dirty="0">
+              <a:solidFill>
+                <a:schemeClr val="tx1">
+                  <a:lumMod val="95000"/>
+                </a:schemeClr>
+              </a:solidFill>
+              <a:latin typeface="Arial"/>
+              <a:cs typeface="Arial"/>
+            </a:endParaRPr>
+          </a:p>
+          <a:p>
+            <a:pPr>
+              <a:lnSpc>
+                <a:spcPct val="90000"/>
+              </a:lnSpc>
+              <a:spcBef>
+                <a:spcPts val="0"/>
+              </a:spcBef>
+              <a:spcAft>
+                <a:spcPts val="600"/>
+              </a:spcAft>
+              <a:buFont typeface="Arial,Sans-Serif" panose="03070A02030502020204" pitchFamily="66" charset="0"/>
+            </a:pPr>
+            <a:endParaRPr lang="en-IN" sz="2400" dirty="0">
+              <a:solidFill>
+                <a:schemeClr val="tx1">
+                  <a:lumMod val="95000"/>
+                </a:schemeClr>
+              </a:solidFill>
+              <a:latin typeface="Arial"/>
+              <a:cs typeface="Arial"/>
+            </a:endParaRPr>
+          </a:p>
+          <a:p>
+            <a:pPr>
+              <a:lnSpc>
+                <a:spcPct val="90000"/>
+              </a:lnSpc>
+              <a:spcBef>
+                <a:spcPts val="0"/>
+              </a:spcBef>
+              <a:spcAft>
+                <a:spcPts val="600"/>
+              </a:spcAft>
+              <a:buFont typeface="Arial,Sans-Serif" panose="03070A02030502020204" pitchFamily="66" charset="0"/>
+            </a:pPr>
+            <a:r>
+              <a:rPr lang="en-IN" sz="2400" dirty="0">
+                <a:solidFill>
+                  <a:schemeClr val="tx1">
+                    <a:lumMod val="95000"/>
+                  </a:schemeClr>
+                </a:solidFill>
+                <a:latin typeface="Arial"/>
+                <a:cs typeface="Arial"/>
+              </a:rPr>
+              <a:t>Kubernetes Documentation</a:t>
+            </a:r>
+            <a:endParaRPr lang="en-US" sz="2400" dirty="0">
+              <a:solidFill>
+                <a:schemeClr val="tx1">
+                  <a:lumMod val="95000"/>
+                </a:schemeClr>
+              </a:solidFill>
+              <a:latin typeface="Arial"/>
+              <a:cs typeface="Arial"/>
+            </a:endParaRPr>
+          </a:p>
+          <a:p>
+            <a:endParaRPr lang="en-GB" dirty="0">
+              <a:solidFill>
+                <a:schemeClr val="tx1">
+                  <a:lumMod val="95000"/>
+                </a:schemeClr>
+              </a:solidFill>
+              <a:latin typeface="Arial"/>
+              <a:cs typeface="Arial"/>
+            </a:endParaRPr>
           </a:p>
         </p:txBody>
       </p:sp>
       <p:pic>
         <p:nvPicPr>
-          <p:cNvPr id="4" name="Picture 4" descr="Table&#10;&#10;Description automatically generated">
+          <p:cNvPr id="4" name="Picture 4">
             <a:extLst>
               <a:ext uri="{FF2B5EF4-FFF2-40B4-BE49-F238E27FC236}">
-                <a16:creationId xmlns:a16="http://schemas.microsoft.com/office/drawing/2014/main" id="{D6059A6C-079F-A812-1291-B5FB7C4BCEE8}"/>
+                <a16:creationId xmlns:a16="http://schemas.microsoft.com/office/drawing/2014/main" id="{24370C49-6BA3-7C46-8AE4-7F96CDFC8A0A}"/>
               </a:ext>
             </a:extLst>
           </p:cNvPr>
@@ -5990,8 +6233,8 @@
         </p:blipFill>
         <p:spPr>
           <a:xfrm>
-            <a:off x="775127" y="1718089"/>
-            <a:ext cx="10564483" cy="4135512"/>
+            <a:off x="497457" y="96561"/>
+            <a:ext cx="2743200" cy="741405"/>
           </a:xfrm>
           <a:prstGeom prst="rect">
             <a:avLst/>
@@ -6001,7 +6244,7 @@
     </p:spTree>
     <p:extLst>
       <p:ext uri="{BB962C8B-B14F-4D97-AF65-F5344CB8AC3E}">
-        <p14:creationId xmlns:p14="http://schemas.microsoft.com/office/powerpoint/2010/main" val="755461499"/>
+        <p14:creationId xmlns:p14="http://schemas.microsoft.com/office/powerpoint/2010/main" val="3355846812"/>
       </p:ext>
     </p:extLst>
   </p:cSld>
@@ -6033,7 +6276,7 @@
           <p:cNvPr id="2" name="Title 1">
             <a:extLst>
               <a:ext uri="{FF2B5EF4-FFF2-40B4-BE49-F238E27FC236}">
-                <a16:creationId xmlns:a16="http://schemas.microsoft.com/office/drawing/2014/main" id="{E8F0540F-7370-B673-4433-1D04B2EE416C}"/>
+                <a16:creationId xmlns:a16="http://schemas.microsoft.com/office/drawing/2014/main" id="{2BA078E5-8D50-A375-20F3-3598057B2040}"/>
               </a:ext>
             </a:extLst>
           </p:cNvPr>
@@ -6046,8 +6289,8 @@
         </p:nvSpPr>
         <p:spPr>
           <a:xfrm>
-            <a:off x="720000" y="619200"/>
-            <a:ext cx="3439002" cy="384649"/>
+            <a:off x="720000" y="159125"/>
+            <a:ext cx="10728322" cy="859102"/>
           </a:xfrm>
         </p:spPr>
         <p:txBody>
@@ -6056,31 +6299,80 @@
           </a:bodyPr>
           <a:lstStyle/>
           <a:p>
-            <a:r>
-              <a:rPr lang="en-GB" sz="2400" dirty="0">
+            <a:pPr algn="ctr"/>
+            <a:r>
+              <a:rPr lang="en-GB" sz="4000" b="1" dirty="0">
+                <a:solidFill>
+                  <a:srgbClr val="FF0000"/>
+                </a:solidFill>
                 <a:latin typeface="Arial"/>
                 <a:cs typeface="Arial"/>
               </a:rPr>
-              <a:t>Encrypted Date of Birth</a:t>
+              <a:t>Appendices</a:t>
+            </a:r>
+            <a:endParaRPr lang="en-US"/>
+          </a:p>
+        </p:txBody>
+      </p:sp>
+      <p:sp>
+        <p:nvSpPr>
+          <p:cNvPr id="3" name="Content Placeholder 2">
+            <a:extLst>
+              <a:ext uri="{FF2B5EF4-FFF2-40B4-BE49-F238E27FC236}">
+                <a16:creationId xmlns:a16="http://schemas.microsoft.com/office/drawing/2014/main" id="{C13058CB-E0D5-3C88-06E5-341E8584E147}"/>
+              </a:ext>
+            </a:extLst>
+          </p:cNvPr>
+          <p:cNvSpPr>
+            <a:spLocks noGrp="1"/>
+          </p:cNvSpPr>
+          <p:nvPr>
+            <p:ph idx="1"/>
+          </p:nvPr>
+        </p:nvSpPr>
+        <p:spPr>
+          <a:xfrm>
+            <a:off x="720000" y="1103865"/>
+            <a:ext cx="2490099" cy="438167"/>
+          </a:xfrm>
+        </p:spPr>
+        <p:txBody>
+          <a:bodyPr vert="horz" lIns="0" tIns="0" rIns="0" bIns="0" rtlCol="0" anchor="t">
+            <a:normAutofit/>
+          </a:bodyPr>
+          <a:lstStyle/>
+          <a:p>
+            <a:pPr marL="0" indent="0">
+              <a:buNone/>
+            </a:pPr>
+            <a:r>
+              <a:rPr lang="en-GB" sz="2400">
+                <a:solidFill>
+                  <a:schemeClr val="tx1">
+                    <a:lumMod val="95000"/>
+                  </a:schemeClr>
+                </a:solidFill>
+                <a:latin typeface="Arial"/>
+                <a:cs typeface="Arial"/>
+              </a:rPr>
+              <a:t>Employee table</a:t>
             </a:r>
           </a:p>
         </p:txBody>
       </p:sp>
       <p:pic>
         <p:nvPicPr>
-          <p:cNvPr id="4" name="Picture 4">
+          <p:cNvPr id="4" name="Picture 4" descr="Table&#10;&#10;Description automatically generated">
             <a:extLst>
               <a:ext uri="{FF2B5EF4-FFF2-40B4-BE49-F238E27FC236}">
-                <a16:creationId xmlns:a16="http://schemas.microsoft.com/office/drawing/2014/main" id="{446A170C-FC13-FD70-6863-8F1EEBD3C156}"/>
+                <a16:creationId xmlns:a16="http://schemas.microsoft.com/office/drawing/2014/main" id="{D6059A6C-079F-A812-1291-B5FB7C4BCEE8}"/>
               </a:ext>
             </a:extLst>
           </p:cNvPr>
           <p:cNvPicPr>
-            <a:picLocks noGrp="1" noChangeAspect="1"/>
+            <a:picLocks noChangeAspect="1"/>
           </p:cNvPicPr>
-          <p:nvPr>
-            <p:ph idx="1"/>
-          </p:nvPr>
+          <p:nvPr/>
         </p:nvPicPr>
         <p:blipFill>
           <a:blip r:embed="rId2"/>
@@ -6090,15 +6382,48 @@
         </p:blipFill>
         <p:spPr>
           <a:xfrm>
-            <a:off x="723756" y="1333903"/>
-            <a:ext cx="10620172" cy="4967034"/>
-          </a:xfrm>
+            <a:off x="775127" y="1718089"/>
+            <a:ext cx="10564483" cy="4135512"/>
+          </a:xfrm>
+          <a:prstGeom prst="rect">
+            <a:avLst/>
+          </a:prstGeom>
+        </p:spPr>
+      </p:pic>
+      <p:pic>
+        <p:nvPicPr>
+          <p:cNvPr id="5" name="Picture 5">
+            <a:extLst>
+              <a:ext uri="{FF2B5EF4-FFF2-40B4-BE49-F238E27FC236}">
+                <a16:creationId xmlns:a16="http://schemas.microsoft.com/office/drawing/2014/main" id="{FC555C1F-5F19-89D5-E6BC-B82591130F98}"/>
+              </a:ext>
+            </a:extLst>
+          </p:cNvPr>
+          <p:cNvPicPr>
+            <a:picLocks noChangeAspect="1"/>
+          </p:cNvPicPr>
+          <p:nvPr/>
+        </p:nvPicPr>
+        <p:blipFill>
+          <a:blip r:embed="rId3"/>
+          <a:stretch>
+            <a:fillRect/>
+          </a:stretch>
+        </p:blipFill>
+        <p:spPr>
+          <a:xfrm>
+            <a:off x="382438" y="225957"/>
+            <a:ext cx="2743200" cy="741405"/>
+          </a:xfrm>
+          <a:prstGeom prst="rect">
+            <a:avLst/>
+          </a:prstGeom>
         </p:spPr>
       </p:pic>
     </p:spTree>
     <p:extLst>
       <p:ext uri="{BB962C8B-B14F-4D97-AF65-F5344CB8AC3E}">
-        <p14:creationId xmlns:p14="http://schemas.microsoft.com/office/powerpoint/2010/main" val="453596253"/>
+        <p14:creationId xmlns:p14="http://schemas.microsoft.com/office/powerpoint/2010/main" val="755461499"/>
       </p:ext>
     </p:extLst>
   </p:cSld>
@@ -6130,7 +6455,7 @@
           <p:cNvPr id="2" name="Title 1">
             <a:extLst>
               <a:ext uri="{FF2B5EF4-FFF2-40B4-BE49-F238E27FC236}">
-                <a16:creationId xmlns:a16="http://schemas.microsoft.com/office/drawing/2014/main" id="{48248384-907D-89E8-52B4-3908739233D4}"/>
+                <a16:creationId xmlns:a16="http://schemas.microsoft.com/office/drawing/2014/main" id="{E8F0540F-7370-B673-4433-1D04B2EE416C}"/>
               </a:ext>
             </a:extLst>
           </p:cNvPr>
@@ -6144,11 +6469,13 @@
         <p:spPr>
           <a:xfrm>
             <a:off x="720000" y="619200"/>
-            <a:ext cx="3367115" cy="456537"/>
-          </a:xfrm>
-        </p:spPr>
-        <p:txBody>
-          <a:bodyPr/>
+            <a:ext cx="3439002" cy="384649"/>
+          </a:xfrm>
+        </p:spPr>
+        <p:txBody>
+          <a:bodyPr>
+            <a:normAutofit/>
+          </a:bodyPr>
           <a:lstStyle/>
           <a:p>
             <a:r>
@@ -6156,7 +6483,7 @@
                 <a:latin typeface="Arial"/>
                 <a:cs typeface="Arial"/>
               </a:rPr>
-              <a:t>Decrypted Date of Birth</a:t>
+              <a:t>Encrypted Date of Birth</a:t>
             </a:r>
           </a:p>
         </p:txBody>
@@ -6166,7 +6493,7 @@
           <p:cNvPr id="4" name="Picture 4">
             <a:extLst>
               <a:ext uri="{FF2B5EF4-FFF2-40B4-BE49-F238E27FC236}">
-                <a16:creationId xmlns:a16="http://schemas.microsoft.com/office/drawing/2014/main" id="{39688269-57DF-4EBA-B2B9-996DD2B157F6}"/>
+                <a16:creationId xmlns:a16="http://schemas.microsoft.com/office/drawing/2014/main" id="{446A170C-FC13-FD70-6863-8F1EEBD3C156}"/>
               </a:ext>
             </a:extLst>
           </p:cNvPr>
@@ -6185,15 +6512,45 @@
         </p:blipFill>
         <p:spPr>
           <a:xfrm>
-            <a:off x="719095" y="1161374"/>
-            <a:ext cx="10773266" cy="5398355"/>
-          </a:xfrm>
+            <a:off x="723756" y="1333903"/>
+            <a:ext cx="10620172" cy="4967034"/>
+          </a:xfrm>
+        </p:spPr>
+      </p:pic>
+      <p:pic>
+        <p:nvPicPr>
+          <p:cNvPr id="3" name="Picture 4">
+            <a:extLst>
+              <a:ext uri="{FF2B5EF4-FFF2-40B4-BE49-F238E27FC236}">
+                <a16:creationId xmlns:a16="http://schemas.microsoft.com/office/drawing/2014/main" id="{75E343C9-CE48-161F-D562-41C1960EF29D}"/>
+              </a:ext>
+            </a:extLst>
+          </p:cNvPr>
+          <p:cNvPicPr>
+            <a:picLocks noChangeAspect="1"/>
+          </p:cNvPicPr>
+          <p:nvPr/>
+        </p:nvPicPr>
+        <p:blipFill>
+          <a:blip r:embed="rId3"/>
+          <a:stretch>
+            <a:fillRect/>
+          </a:stretch>
+        </p:blipFill>
+        <p:spPr>
+          <a:xfrm>
+            <a:off x="310551" y="-4080"/>
+            <a:ext cx="2743200" cy="741405"/>
+          </a:xfrm>
+          <a:prstGeom prst="rect">
+            <a:avLst/>
+          </a:prstGeom>
         </p:spPr>
       </p:pic>
     </p:spTree>
     <p:extLst>
       <p:ext uri="{BB962C8B-B14F-4D97-AF65-F5344CB8AC3E}">
-        <p14:creationId xmlns:p14="http://schemas.microsoft.com/office/powerpoint/2010/main" val="1558181781"/>
+        <p14:creationId xmlns:p14="http://schemas.microsoft.com/office/powerpoint/2010/main" val="453596253"/>
       </p:ext>
     </p:extLst>
   </p:cSld>
@@ -6225,7 +6582,7 @@
           <p:cNvPr id="2" name="Title 1">
             <a:extLst>
               <a:ext uri="{FF2B5EF4-FFF2-40B4-BE49-F238E27FC236}">
-                <a16:creationId xmlns:a16="http://schemas.microsoft.com/office/drawing/2014/main" id="{04C70649-0A0E-ED41-6555-85D342DA3454}"/>
+                <a16:creationId xmlns:a16="http://schemas.microsoft.com/office/drawing/2014/main" id="{48248384-907D-89E8-52B4-3908739233D4}"/>
               </a:ext>
             </a:extLst>
           </p:cNvPr>
@@ -6239,13 +6596,11 @@
         <p:spPr>
           <a:xfrm>
             <a:off x="720000" y="619200"/>
-            <a:ext cx="2331945" cy="542800"/>
-          </a:xfrm>
-        </p:spPr>
-        <p:txBody>
-          <a:bodyPr>
-            <a:normAutofit/>
-          </a:bodyPr>
+            <a:ext cx="3367115" cy="456537"/>
+          </a:xfrm>
+        </p:spPr>
+        <p:txBody>
+          <a:bodyPr/>
           <a:lstStyle/>
           <a:p>
             <a:r>
@@ -6253,17 +6608,17 @@
                 <a:latin typeface="Arial"/>
                 <a:cs typeface="Arial"/>
               </a:rPr>
-              <a:t>Docker Images</a:t>
+              <a:t>Decrypted Date of Birth</a:t>
             </a:r>
           </a:p>
         </p:txBody>
       </p:sp>
       <p:pic>
         <p:nvPicPr>
-          <p:cNvPr id="4" name="Picture 4" descr="A screenshot of a computer&#10;&#10;Description automatically generated">
+          <p:cNvPr id="4" name="Picture 4">
             <a:extLst>
               <a:ext uri="{FF2B5EF4-FFF2-40B4-BE49-F238E27FC236}">
-                <a16:creationId xmlns:a16="http://schemas.microsoft.com/office/drawing/2014/main" id="{2B12BA3B-1C91-1BB5-C774-69C9586BEBD3}"/>
+                <a16:creationId xmlns:a16="http://schemas.microsoft.com/office/drawing/2014/main" id="{39688269-57DF-4EBA-B2B9-996DD2B157F6}"/>
               </a:ext>
             </a:extLst>
           </p:cNvPr>
@@ -6282,15 +6637,45 @@
         </p:blipFill>
         <p:spPr>
           <a:xfrm>
-            <a:off x="719386" y="1233261"/>
-            <a:ext cx="10815816" cy="5182694"/>
-          </a:xfrm>
+            <a:off x="719095" y="1161374"/>
+            <a:ext cx="10773266" cy="5398355"/>
+          </a:xfrm>
+        </p:spPr>
+      </p:pic>
+      <p:pic>
+        <p:nvPicPr>
+          <p:cNvPr id="3" name="Picture 4">
+            <a:extLst>
+              <a:ext uri="{FF2B5EF4-FFF2-40B4-BE49-F238E27FC236}">
+                <a16:creationId xmlns:a16="http://schemas.microsoft.com/office/drawing/2014/main" id="{D43A7F24-D6DD-4710-6C24-D8172F7B4928}"/>
+              </a:ext>
+            </a:extLst>
+          </p:cNvPr>
+          <p:cNvPicPr>
+            <a:picLocks noChangeAspect="1"/>
+          </p:cNvPicPr>
+          <p:nvPr/>
+        </p:nvPicPr>
+        <p:blipFill>
+          <a:blip r:embed="rId3"/>
+          <a:stretch>
+            <a:fillRect/>
+          </a:stretch>
+        </p:blipFill>
+        <p:spPr>
+          <a:xfrm>
+            <a:off x="152400" y="-4080"/>
+            <a:ext cx="2743200" cy="741405"/>
+          </a:xfrm>
+          <a:prstGeom prst="rect">
+            <a:avLst/>
+          </a:prstGeom>
         </p:spPr>
       </p:pic>
     </p:spTree>
     <p:extLst>
       <p:ext uri="{BB962C8B-B14F-4D97-AF65-F5344CB8AC3E}">
-        <p14:creationId xmlns:p14="http://schemas.microsoft.com/office/powerpoint/2010/main" val="3065401394"/>
+        <p14:creationId xmlns:p14="http://schemas.microsoft.com/office/powerpoint/2010/main" val="1558181781"/>
       </p:ext>
     </p:extLst>
   </p:cSld>
@@ -6322,6 +6707,133 @@
           <p:cNvPr id="2" name="Title 1">
             <a:extLst>
               <a:ext uri="{FF2B5EF4-FFF2-40B4-BE49-F238E27FC236}">
+                <a16:creationId xmlns:a16="http://schemas.microsoft.com/office/drawing/2014/main" id="{04C70649-0A0E-ED41-6555-85D342DA3454}"/>
+              </a:ext>
+            </a:extLst>
+          </p:cNvPr>
+          <p:cNvSpPr>
+            <a:spLocks noGrp="1"/>
+          </p:cNvSpPr>
+          <p:nvPr>
+            <p:ph type="title"/>
+          </p:nvPr>
+        </p:nvSpPr>
+        <p:spPr>
+          <a:xfrm>
+            <a:off x="720000" y="619200"/>
+            <a:ext cx="2331945" cy="542800"/>
+          </a:xfrm>
+        </p:spPr>
+        <p:txBody>
+          <a:bodyPr>
+            <a:normAutofit/>
+          </a:bodyPr>
+          <a:lstStyle/>
+          <a:p>
+            <a:r>
+              <a:rPr lang="en-GB" sz="2400" dirty="0">
+                <a:latin typeface="Arial"/>
+                <a:cs typeface="Arial"/>
+              </a:rPr>
+              <a:t>Docker Images</a:t>
+            </a:r>
+          </a:p>
+        </p:txBody>
+      </p:sp>
+      <p:pic>
+        <p:nvPicPr>
+          <p:cNvPr id="4" name="Picture 4" descr="A screenshot of a computer&#10;&#10;Description automatically generated">
+            <a:extLst>
+              <a:ext uri="{FF2B5EF4-FFF2-40B4-BE49-F238E27FC236}">
+                <a16:creationId xmlns:a16="http://schemas.microsoft.com/office/drawing/2014/main" id="{2B12BA3B-1C91-1BB5-C774-69C9586BEBD3}"/>
+              </a:ext>
+            </a:extLst>
+          </p:cNvPr>
+          <p:cNvPicPr>
+            <a:picLocks noGrp="1" noChangeAspect="1"/>
+          </p:cNvPicPr>
+          <p:nvPr>
+            <p:ph idx="1"/>
+          </p:nvPr>
+        </p:nvPicPr>
+        <p:blipFill>
+          <a:blip r:embed="rId2"/>
+          <a:stretch>
+            <a:fillRect/>
+          </a:stretch>
+        </p:blipFill>
+        <p:spPr>
+          <a:xfrm>
+            <a:off x="719386" y="1233261"/>
+            <a:ext cx="10815816" cy="5182694"/>
+          </a:xfrm>
+        </p:spPr>
+      </p:pic>
+      <p:pic>
+        <p:nvPicPr>
+          <p:cNvPr id="3" name="Picture 4">
+            <a:extLst>
+              <a:ext uri="{FF2B5EF4-FFF2-40B4-BE49-F238E27FC236}">
+                <a16:creationId xmlns:a16="http://schemas.microsoft.com/office/drawing/2014/main" id="{ABC7CC02-1F83-7670-8015-D14CF9E79877}"/>
+              </a:ext>
+            </a:extLst>
+          </p:cNvPr>
+          <p:cNvPicPr>
+            <a:picLocks noChangeAspect="1"/>
+          </p:cNvPicPr>
+          <p:nvPr/>
+        </p:nvPicPr>
+        <p:blipFill>
+          <a:blip r:embed="rId3"/>
+          <a:stretch>
+            <a:fillRect/>
+          </a:stretch>
+        </p:blipFill>
+        <p:spPr>
+          <a:xfrm>
+            <a:off x="439947" y="-4080"/>
+            <a:ext cx="2743200" cy="741405"/>
+          </a:xfrm>
+          <a:prstGeom prst="rect">
+            <a:avLst/>
+          </a:prstGeom>
+        </p:spPr>
+      </p:pic>
+    </p:spTree>
+    <p:extLst>
+      <p:ext uri="{BB962C8B-B14F-4D97-AF65-F5344CB8AC3E}">
+        <p14:creationId xmlns:p14="http://schemas.microsoft.com/office/powerpoint/2010/main" val="3065401394"/>
+      </p:ext>
+    </p:extLst>
+  </p:cSld>
+  <p:clrMapOvr>
+    <a:masterClrMapping/>
+  </p:clrMapOvr>
+</p:sld>
+</file>
+
+<file path=ppt/slides/slide18.xml><?xml version="1.0" encoding="utf-8"?>
+<p:sld xmlns:a="http://schemas.openxmlformats.org/drawingml/2006/main" xmlns:r="http://schemas.openxmlformats.org/officeDocument/2006/relationships" xmlns:p="http://schemas.openxmlformats.org/presentationml/2006/main">
+  <p:cSld>
+    <p:spTree>
+      <p:nvGrpSpPr>
+        <p:cNvPr id="1" name=""/>
+        <p:cNvGrpSpPr/>
+        <p:nvPr/>
+      </p:nvGrpSpPr>
+      <p:grpSpPr>
+        <a:xfrm>
+          <a:off x="0" y="0"/>
+          <a:ext cx="0" cy="0"/>
+          <a:chOff x="0" y="0"/>
+          <a:chExt cx="0" cy="0"/>
+        </a:xfrm>
+      </p:grpSpPr>
+      <p:sp>
+        <p:nvSpPr>
+          <p:cNvPr id="2" name="Title 1">
+            <a:extLst>
+              <a:ext uri="{FF2B5EF4-FFF2-40B4-BE49-F238E27FC236}">
                 <a16:creationId xmlns:a16="http://schemas.microsoft.com/office/drawing/2014/main" id="{D5A370F4-9E98-FF80-AB20-74D2FEF76FAF}"/>
               </a:ext>
             </a:extLst>
@@ -6408,6 +6920,36 @@
           <a:xfrm>
             <a:off x="713117" y="3114717"/>
             <a:ext cx="10492596" cy="3144603"/>
+          </a:xfrm>
+          <a:prstGeom prst="rect">
+            <a:avLst/>
+          </a:prstGeom>
+        </p:spPr>
+      </p:pic>
+      <p:pic>
+        <p:nvPicPr>
+          <p:cNvPr id="3" name="Picture 5">
+            <a:extLst>
+              <a:ext uri="{FF2B5EF4-FFF2-40B4-BE49-F238E27FC236}">
+                <a16:creationId xmlns:a16="http://schemas.microsoft.com/office/drawing/2014/main" id="{CD96D758-05B8-A405-88E4-DAC1735643A6}"/>
+              </a:ext>
+            </a:extLst>
+          </p:cNvPr>
+          <p:cNvPicPr>
+            <a:picLocks noChangeAspect="1"/>
+          </p:cNvPicPr>
+          <p:nvPr/>
+        </p:nvPicPr>
+        <p:blipFill>
+          <a:blip r:embed="rId4"/>
+          <a:stretch>
+            <a:fillRect/>
+          </a:stretch>
+        </p:blipFill>
+        <p:spPr>
+          <a:xfrm>
+            <a:off x="224287" y="-4080"/>
+            <a:ext cx="2743200" cy="741405"/>
           </a:xfrm>
           <a:prstGeom prst="rect">
             <a:avLst/>
@@ -6792,6 +7334,36 @@
           </a:p>
         </p:txBody>
       </p:sp>
+      <p:pic>
+        <p:nvPicPr>
+          <p:cNvPr id="4" name="Picture 4">
+            <a:extLst>
+              <a:ext uri="{FF2B5EF4-FFF2-40B4-BE49-F238E27FC236}">
+                <a16:creationId xmlns:a16="http://schemas.microsoft.com/office/drawing/2014/main" id="{DA725961-4730-D468-80D6-6F94E068E8CC}"/>
+              </a:ext>
+            </a:extLst>
+          </p:cNvPr>
+          <p:cNvPicPr>
+            <a:picLocks noChangeAspect="1"/>
+          </p:cNvPicPr>
+          <p:nvPr/>
+        </p:nvPicPr>
+        <p:blipFill>
+          <a:blip r:embed="rId2"/>
+          <a:stretch>
+            <a:fillRect/>
+          </a:stretch>
+        </p:blipFill>
+        <p:spPr>
+          <a:xfrm>
+            <a:off x="462576" y="276861"/>
+            <a:ext cx="2743200" cy="741405"/>
+          </a:xfrm>
+          <a:prstGeom prst="rect">
+            <a:avLst/>
+          </a:prstGeom>
+        </p:spPr>
+      </p:pic>
     </p:spTree>
     <p:extLst>
       <p:ext uri="{BB962C8B-B14F-4D97-AF65-F5344CB8AC3E}">
@@ -7124,7 +7696,7 @@
                 <a:latin typeface="Arial"/>
                 <a:cs typeface="Arial"/>
               </a:rPr>
-              <a:t>Manage the information and protect their employees' privacy</a:t>
+              <a:t>Manage the information and protect their employees privacy</a:t>
             </a:r>
             <a:endParaRPr lang="en-US" dirty="0">
               <a:solidFill>
@@ -7193,6 +7765,36 @@
           </a:p>
         </p:txBody>
       </p:sp>
+      <p:pic>
+        <p:nvPicPr>
+          <p:cNvPr id="4" name="Picture 4">
+            <a:extLst>
+              <a:ext uri="{FF2B5EF4-FFF2-40B4-BE49-F238E27FC236}">
+                <a16:creationId xmlns:a16="http://schemas.microsoft.com/office/drawing/2014/main" id="{F8CFE348-5A75-4E5D-2B67-1FF1B941BD68}"/>
+              </a:ext>
+            </a:extLst>
+          </p:cNvPr>
+          <p:cNvPicPr>
+            <a:picLocks noChangeAspect="1"/>
+          </p:cNvPicPr>
+          <p:nvPr/>
+        </p:nvPicPr>
+        <p:blipFill>
+          <a:blip r:embed="rId2"/>
+          <a:stretch>
+            <a:fillRect/>
+          </a:stretch>
+        </p:blipFill>
+        <p:spPr>
+          <a:xfrm>
+            <a:off x="569343" y="355354"/>
+            <a:ext cx="2743200" cy="741405"/>
+          </a:xfrm>
+          <a:prstGeom prst="rect">
+            <a:avLst/>
+          </a:prstGeom>
+        </p:spPr>
+      </p:pic>
     </p:spTree>
     <p:extLst>
       <p:ext uri="{BB962C8B-B14F-4D97-AF65-F5344CB8AC3E}">
@@ -7484,6 +8086,36 @@
           </a:p>
         </p:txBody>
       </p:sp>
+      <p:pic>
+        <p:nvPicPr>
+          <p:cNvPr id="4" name="Picture 4">
+            <a:extLst>
+              <a:ext uri="{FF2B5EF4-FFF2-40B4-BE49-F238E27FC236}">
+                <a16:creationId xmlns:a16="http://schemas.microsoft.com/office/drawing/2014/main" id="{786C1E15-3A91-B653-C6B3-20ECD5AD61AC}"/>
+              </a:ext>
+            </a:extLst>
+          </p:cNvPr>
+          <p:cNvPicPr>
+            <a:picLocks noChangeAspect="1"/>
+          </p:cNvPicPr>
+          <p:nvPr/>
+        </p:nvPicPr>
+        <p:blipFill>
+          <a:blip r:embed="rId2"/>
+          <a:stretch>
+            <a:fillRect/>
+          </a:stretch>
+        </p:blipFill>
+        <p:spPr>
+          <a:xfrm>
+            <a:off x="382438" y="67806"/>
+            <a:ext cx="2743200" cy="741405"/>
+          </a:xfrm>
+          <a:prstGeom prst="rect">
+            <a:avLst/>
+          </a:prstGeom>
+        </p:spPr>
+      </p:pic>
     </p:spTree>
     <p:extLst>
       <p:ext uri="{BB962C8B-B14F-4D97-AF65-F5344CB8AC3E}">
@@ -7626,6 +8258,36 @@
           <a:xfrm>
             <a:off x="842514" y="2219627"/>
             <a:ext cx="10205047" cy="4000257"/>
+          </a:xfrm>
+          <a:prstGeom prst="rect">
+            <a:avLst/>
+          </a:prstGeom>
+        </p:spPr>
+      </p:pic>
+      <p:pic>
+        <p:nvPicPr>
+          <p:cNvPr id="5" name="Picture 5">
+            <a:extLst>
+              <a:ext uri="{FF2B5EF4-FFF2-40B4-BE49-F238E27FC236}">
+                <a16:creationId xmlns:a16="http://schemas.microsoft.com/office/drawing/2014/main" id="{644E5336-35A9-C16A-EC72-6FA0461CED06}"/>
+              </a:ext>
+            </a:extLst>
+          </p:cNvPr>
+          <p:cNvPicPr>
+            <a:picLocks noChangeAspect="1"/>
+          </p:cNvPicPr>
+          <p:nvPr/>
+        </p:nvPicPr>
+        <p:blipFill>
+          <a:blip r:embed="rId3"/>
+          <a:stretch>
+            <a:fillRect/>
+          </a:stretch>
+        </p:blipFill>
+        <p:spPr>
+          <a:xfrm>
+            <a:off x="396815" y="168448"/>
+            <a:ext cx="2743200" cy="741405"/>
           </a:xfrm>
           <a:prstGeom prst="rect">
             <a:avLst/>
@@ -7667,7 +8329,7 @@
           <p:cNvPr id="2" name="Title 1">
             <a:extLst>
               <a:ext uri="{FF2B5EF4-FFF2-40B4-BE49-F238E27FC236}">
-                <a16:creationId xmlns:a16="http://schemas.microsoft.com/office/drawing/2014/main" id="{33A10972-8016-D7C5-2715-A9D7FAC195C8}"/>
+                <a16:creationId xmlns:a16="http://schemas.microsoft.com/office/drawing/2014/main" id="{DEF9F627-B911-D54E-3859-477379CADF1E}"/>
               </a:ext>
             </a:extLst>
           </p:cNvPr>
@@ -7680,321 +8342,89 @@
         </p:nvSpPr>
         <p:spPr>
           <a:xfrm>
-            <a:off x="734377" y="144747"/>
-            <a:ext cx="10728322" cy="585932"/>
+            <a:off x="3940528" y="1050521"/>
+            <a:ext cx="3079568" cy="571555"/>
           </a:xfrm>
         </p:spPr>
         <p:txBody>
           <a:bodyPr>
-            <a:normAutofit fontScale="90000"/>
+            <a:normAutofit/>
           </a:bodyPr>
           <a:lstStyle/>
           <a:p>
-            <a:pPr algn="ctr"/>
-            <a:r>
-              <a:rPr lang="en-US" sz="4000" b="1" dirty="0">
-                <a:solidFill>
-                  <a:srgbClr val="FF0000"/>
-                </a:solidFill>
+            <a:r>
+              <a:rPr lang="en-GB" sz="2400" dirty="0">
                 <a:latin typeface="Arial"/>
                 <a:cs typeface="Arial"/>
               </a:rPr>
-              <a:t>Back-end Development</a:t>
-            </a:r>
-            <a:endParaRPr lang="en-GB" sz="4000" b="1" dirty="0">
-              <a:solidFill>
-                <a:srgbClr val="FF0000"/>
-              </a:solidFill>
-              <a:latin typeface="Arial"/>
-              <a:cs typeface="Arial"/>
-            </a:endParaRPr>
-          </a:p>
-          <a:p>
-            <a:endParaRPr lang="en-GB" b="1" dirty="0">
-              <a:solidFill>
-                <a:srgbClr val="FF0000"/>
-              </a:solidFill>
-              <a:latin typeface="Arial"/>
-              <a:cs typeface="Arial"/>
-            </a:endParaRPr>
-          </a:p>
-        </p:txBody>
-      </p:sp>
-      <p:sp>
-        <p:nvSpPr>
-          <p:cNvPr id="3" name="Content Placeholder 2">
+              <a:t>Class Diagram</a:t>
+            </a:r>
+          </a:p>
+        </p:txBody>
+      </p:sp>
+      <p:pic>
+        <p:nvPicPr>
+          <p:cNvPr id="4" name="Picture 4" descr="Diagram&#10;&#10;Description automatically generated">
             <a:extLst>
               <a:ext uri="{FF2B5EF4-FFF2-40B4-BE49-F238E27FC236}">
-                <a16:creationId xmlns:a16="http://schemas.microsoft.com/office/drawing/2014/main" id="{F53DD54E-71D2-4FB2-AD70-8D9F94541508}"/>
+                <a16:creationId xmlns:a16="http://schemas.microsoft.com/office/drawing/2014/main" id="{4BDCE475-2D88-A773-0715-8FA9EC952A39}"/>
               </a:ext>
             </a:extLst>
           </p:cNvPr>
-          <p:cNvSpPr>
-            <a:spLocks noGrp="1"/>
-          </p:cNvSpPr>
+          <p:cNvPicPr>
+            <a:picLocks noGrp="1" noChangeAspect="1"/>
+          </p:cNvPicPr>
           <p:nvPr>
             <p:ph idx="1"/>
           </p:nvPr>
-        </p:nvSpPr>
-        <p:spPr>
-          <a:xfrm>
-            <a:off x="720000" y="1722091"/>
-            <a:ext cx="10728325" cy="4794506"/>
-          </a:xfrm>
-        </p:spPr>
-        <p:txBody>
-          <a:bodyPr vert="horz" lIns="0" tIns="0" rIns="0" bIns="0" rtlCol="0" anchor="t">
-            <a:normAutofit/>
-          </a:bodyPr>
-          <a:lstStyle/>
-          <a:p>
-            <a:r>
-              <a:rPr lang="en-GB" sz="2400">
-                <a:solidFill>
-                  <a:schemeClr val="tx1">
-                    <a:lumMod val="95000"/>
-                  </a:schemeClr>
-                </a:solidFill>
-                <a:latin typeface="Arial"/>
-                <a:cs typeface="Arial"/>
-              </a:rPr>
-              <a:t>New Database (capstone_project) created</a:t>
-            </a:r>
-          </a:p>
-          <a:p>
-            <a:r>
-              <a:rPr lang="en-GB" sz="2400" dirty="0">
-                <a:solidFill>
-                  <a:schemeClr val="tx1">
-                    <a:lumMod val="95000"/>
-                  </a:schemeClr>
-                </a:solidFill>
-                <a:latin typeface="Arial"/>
-                <a:cs typeface="Arial"/>
-              </a:rPr>
-              <a:t>Table inside the database (employee)</a:t>
-            </a:r>
-          </a:p>
-          <a:p>
-            <a:r>
-              <a:rPr lang="en-GB" sz="2400" dirty="0">
-                <a:solidFill>
-                  <a:schemeClr val="tx1">
-                    <a:lumMod val="95000"/>
-                  </a:schemeClr>
-                </a:solidFill>
-                <a:latin typeface="Arial"/>
-                <a:cs typeface="Arial"/>
-              </a:rPr>
-              <a:t>Columns in the table (</a:t>
-            </a:r>
-            <a:r>
-              <a:rPr lang="en-GB" sz="2400" dirty="0" err="1">
-                <a:solidFill>
-                  <a:schemeClr val="tx1">
-                    <a:lumMod val="95000"/>
-                  </a:schemeClr>
-                </a:solidFill>
-                <a:latin typeface="Arial"/>
-                <a:cs typeface="Arial"/>
-              </a:rPr>
-              <a:t>employee_id</a:t>
-            </a:r>
-            <a:r>
-              <a:rPr lang="en-GB" sz="2400" dirty="0">
-                <a:solidFill>
-                  <a:schemeClr val="tx1">
-                    <a:lumMod val="95000"/>
-                  </a:schemeClr>
-                </a:solidFill>
-                <a:latin typeface="Arial"/>
-                <a:cs typeface="Arial"/>
-              </a:rPr>
-              <a:t>, </a:t>
-            </a:r>
-            <a:r>
-              <a:rPr lang="en-GB" sz="2400" dirty="0" err="1">
-                <a:solidFill>
-                  <a:schemeClr val="tx1">
-                    <a:lumMod val="95000"/>
-                  </a:schemeClr>
-                </a:solidFill>
-                <a:latin typeface="Arial"/>
-                <a:cs typeface="Arial"/>
-              </a:rPr>
-              <a:t>employee_name</a:t>
-            </a:r>
-            <a:r>
-              <a:rPr lang="en-GB" sz="2400" dirty="0">
-                <a:solidFill>
-                  <a:schemeClr val="tx1">
-                    <a:lumMod val="95000"/>
-                  </a:schemeClr>
-                </a:solidFill>
-                <a:latin typeface="Arial"/>
-                <a:cs typeface="Arial"/>
-              </a:rPr>
-              <a:t>, </a:t>
-            </a:r>
-            <a:r>
-              <a:rPr lang="en-GB" sz="2400" dirty="0" err="1">
-                <a:solidFill>
-                  <a:schemeClr val="tx1">
-                    <a:lumMod val="95000"/>
-                  </a:schemeClr>
-                </a:solidFill>
-                <a:latin typeface="Arial"/>
-                <a:cs typeface="Arial"/>
-              </a:rPr>
-              <a:t>date_of_birth</a:t>
-            </a:r>
-            <a:r>
-              <a:rPr lang="en-GB" sz="2400" dirty="0">
-                <a:solidFill>
-                  <a:schemeClr val="tx1">
-                    <a:lumMod val="95000"/>
-                  </a:schemeClr>
-                </a:solidFill>
-                <a:latin typeface="Arial"/>
-                <a:cs typeface="Arial"/>
-              </a:rPr>
-              <a:t>)</a:t>
-            </a:r>
-          </a:p>
-          <a:p>
-            <a:r>
-              <a:rPr lang="en-GB" sz="2400" dirty="0">
-                <a:solidFill>
-                  <a:schemeClr val="tx1">
-                    <a:lumMod val="95000"/>
-                  </a:schemeClr>
-                </a:solidFill>
-                <a:latin typeface="Arial"/>
-                <a:cs typeface="Arial"/>
-              </a:rPr>
-              <a:t>New Spring Starter Gradle Project</a:t>
-            </a:r>
-          </a:p>
-          <a:p>
-            <a:r>
-              <a:rPr lang="en-GB" sz="2400" dirty="0">
-                <a:solidFill>
-                  <a:schemeClr val="tx1">
-                    <a:lumMod val="95000"/>
-                  </a:schemeClr>
-                </a:solidFill>
-                <a:latin typeface="Arial"/>
-                <a:cs typeface="Arial"/>
-              </a:rPr>
-              <a:t>Entity Class (Employee)</a:t>
-            </a:r>
-          </a:p>
-          <a:p>
-            <a:r>
-              <a:rPr lang="en-GB" sz="2400" dirty="0">
-                <a:solidFill>
-                  <a:schemeClr val="tx1">
-                    <a:lumMod val="95000"/>
-                  </a:schemeClr>
-                </a:solidFill>
-                <a:latin typeface="Arial"/>
-                <a:cs typeface="Arial"/>
-              </a:rPr>
-              <a:t>Repository Interface (</a:t>
-            </a:r>
-            <a:r>
-              <a:rPr lang="en-GB" sz="2400" err="1">
-                <a:solidFill>
-                  <a:schemeClr val="tx1">
-                    <a:lumMod val="95000"/>
-                  </a:schemeClr>
-                </a:solidFill>
-                <a:latin typeface="Arial"/>
-                <a:cs typeface="Arial"/>
-              </a:rPr>
-              <a:t>EmployeeRepository</a:t>
-            </a:r>
-            <a:r>
-              <a:rPr lang="en-GB" sz="2400" dirty="0">
-                <a:solidFill>
-                  <a:schemeClr val="tx1">
-                    <a:lumMod val="95000"/>
-                  </a:schemeClr>
-                </a:solidFill>
-                <a:latin typeface="Arial"/>
-                <a:cs typeface="Arial"/>
-              </a:rPr>
-              <a:t>)</a:t>
-            </a:r>
-          </a:p>
-          <a:p>
-            <a:r>
-              <a:rPr lang="en-GB" sz="2400" dirty="0">
-                <a:solidFill>
-                  <a:schemeClr val="tx1">
-                    <a:lumMod val="95000"/>
-                  </a:schemeClr>
-                </a:solidFill>
-                <a:latin typeface="Arial"/>
-                <a:cs typeface="Arial"/>
-              </a:rPr>
-              <a:t>One service Interface (</a:t>
-            </a:r>
-            <a:r>
-              <a:rPr lang="en-GB" sz="2400" dirty="0" err="1">
-                <a:solidFill>
-                  <a:schemeClr val="tx1">
-                    <a:lumMod val="95000"/>
-                  </a:schemeClr>
-                </a:solidFill>
-                <a:latin typeface="Arial"/>
-                <a:cs typeface="Arial"/>
-              </a:rPr>
-              <a:t>IEmployeeService</a:t>
-            </a:r>
-            <a:r>
-              <a:rPr lang="en-GB" sz="2400" dirty="0">
-                <a:solidFill>
-                  <a:schemeClr val="tx1">
-                    <a:lumMod val="95000"/>
-                  </a:schemeClr>
-                </a:solidFill>
-                <a:latin typeface="Arial"/>
-                <a:cs typeface="Arial"/>
-              </a:rPr>
-              <a:t>) and one service implementation class (</a:t>
-            </a:r>
-            <a:r>
-              <a:rPr lang="en-GB" sz="2400" dirty="0" err="1">
-                <a:solidFill>
-                  <a:schemeClr val="tx1">
-                    <a:lumMod val="95000"/>
-                  </a:schemeClr>
-                </a:solidFill>
-                <a:latin typeface="Arial"/>
-                <a:cs typeface="Arial"/>
-              </a:rPr>
-              <a:t>EmployeeServiceImplementation</a:t>
-            </a:r>
-            <a:r>
-              <a:rPr lang="en-GB" sz="2400" dirty="0">
-                <a:solidFill>
-                  <a:schemeClr val="tx1">
-                    <a:lumMod val="95000"/>
-                  </a:schemeClr>
-                </a:solidFill>
-                <a:latin typeface="Arial"/>
-                <a:cs typeface="Arial"/>
-              </a:rPr>
-              <a:t>)</a:t>
-            </a:r>
-          </a:p>
-        </p:txBody>
-      </p:sp>
+        </p:nvPicPr>
+        <p:blipFill>
+          <a:blip r:embed="rId2"/>
+          <a:stretch>
+            <a:fillRect/>
+          </a:stretch>
+        </p:blipFill>
+        <p:spPr>
+          <a:xfrm>
+            <a:off x="723612" y="1621450"/>
+            <a:ext cx="10534195" cy="4363185"/>
+          </a:xfrm>
+        </p:spPr>
+      </p:pic>
+      <p:pic>
+        <p:nvPicPr>
+          <p:cNvPr id="6" name="Picture 5" descr="A picture containing text, sign, orange&#10;&#10;Description automatically generated">
+            <a:extLst>
+              <a:ext uri="{FF2B5EF4-FFF2-40B4-BE49-F238E27FC236}">
+                <a16:creationId xmlns:a16="http://schemas.microsoft.com/office/drawing/2014/main" id="{D31D5F56-4F7D-4631-59EC-842659BBC001}"/>
+              </a:ext>
+            </a:extLst>
+          </p:cNvPr>
+          <p:cNvPicPr>
+            <a:picLocks noChangeAspect="1"/>
+          </p:cNvPicPr>
+          <p:nvPr/>
+        </p:nvPicPr>
+        <p:blipFill>
+          <a:blip r:embed="rId3"/>
+          <a:stretch>
+            <a:fillRect/>
+          </a:stretch>
+        </p:blipFill>
+        <p:spPr>
+          <a:xfrm>
+            <a:off x="396815" y="168448"/>
+            <a:ext cx="2743200" cy="741405"/>
+          </a:xfrm>
+          <a:prstGeom prst="rect">
+            <a:avLst/>
+          </a:prstGeom>
+        </p:spPr>
+      </p:pic>
     </p:spTree>
     <p:extLst>
       <p:ext uri="{BB962C8B-B14F-4D97-AF65-F5344CB8AC3E}">
-        <p14:creationId xmlns:p14="http://schemas.microsoft.com/office/powerpoint/2010/main" val="5509715"/>
+        <p14:creationId xmlns:p14="http://schemas.microsoft.com/office/powerpoint/2010/main" val="3222939810"/>
       </p:ext>
     </p:extLst>
   </p:cSld>
@@ -8023,10 +8453,68 @@
       </p:grpSpPr>
       <p:sp>
         <p:nvSpPr>
+          <p:cNvPr id="2" name="Title 1">
+            <a:extLst>
+              <a:ext uri="{FF2B5EF4-FFF2-40B4-BE49-F238E27FC236}">
+                <a16:creationId xmlns:a16="http://schemas.microsoft.com/office/drawing/2014/main" id="{33A10972-8016-D7C5-2715-A9D7FAC195C8}"/>
+              </a:ext>
+            </a:extLst>
+          </p:cNvPr>
+          <p:cNvSpPr>
+            <a:spLocks noGrp="1"/>
+          </p:cNvSpPr>
+          <p:nvPr>
+            <p:ph type="title"/>
+          </p:nvPr>
+        </p:nvSpPr>
+        <p:spPr>
+          <a:xfrm>
+            <a:off x="734377" y="144747"/>
+            <a:ext cx="10728322" cy="585932"/>
+          </a:xfrm>
+        </p:spPr>
+        <p:txBody>
+          <a:bodyPr>
+            <a:normAutofit fontScale="90000"/>
+          </a:bodyPr>
+          <a:lstStyle/>
+          <a:p>
+            <a:pPr algn="ctr"/>
+            <a:r>
+              <a:rPr lang="en-US" sz="4000" b="1" dirty="0">
+                <a:solidFill>
+                  <a:srgbClr val="FF0000"/>
+                </a:solidFill>
+                <a:latin typeface="Arial"/>
+                <a:cs typeface="Arial"/>
+              </a:rPr>
+              <a:t>Back-end Development</a:t>
+            </a:r>
+            <a:endParaRPr lang="en-GB" sz="4000" b="1" dirty="0">
+              <a:solidFill>
+                <a:srgbClr val="FF0000"/>
+              </a:solidFill>
+              <a:latin typeface="Arial"/>
+              <a:cs typeface="Arial"/>
+            </a:endParaRPr>
+          </a:p>
+          <a:p>
+            <a:endParaRPr lang="en-GB" b="1" dirty="0">
+              <a:solidFill>
+                <a:srgbClr val="FF0000"/>
+              </a:solidFill>
+              <a:latin typeface="Arial"/>
+              <a:cs typeface="Arial"/>
+            </a:endParaRPr>
+          </a:p>
+        </p:txBody>
+      </p:sp>
+      <p:sp>
+        <p:nvSpPr>
           <p:cNvPr id="3" name="Content Placeholder 2">
             <a:extLst>
               <a:ext uri="{FF2B5EF4-FFF2-40B4-BE49-F238E27FC236}">
-                <a16:creationId xmlns:a16="http://schemas.microsoft.com/office/drawing/2014/main" id="{3C6BEFF5-5C7B-EF56-6FA5-90190B4FA441}"/>
+                <a16:creationId xmlns:a16="http://schemas.microsoft.com/office/drawing/2014/main" id="{F53DD54E-71D2-4FB2-AD70-8D9F94541508}"/>
               </a:ext>
             </a:extLst>
           </p:cNvPr>
@@ -8039,13 +8527,13 @@
         </p:nvSpPr>
         <p:spPr>
           <a:xfrm>
-            <a:off x="720000" y="730052"/>
-            <a:ext cx="10728325" cy="5772168"/>
+            <a:off x="720000" y="1722091"/>
+            <a:ext cx="10728325" cy="4794506"/>
           </a:xfrm>
         </p:spPr>
         <p:txBody>
           <a:bodyPr vert="horz" lIns="0" tIns="0" rIns="0" bIns="0" rtlCol="0" anchor="t">
-            <a:normAutofit/>
+            <a:normAutofit lnSpcReduction="10000"/>
           </a:bodyPr>
           <a:lstStyle/>
           <a:p>
@@ -8059,20 +8547,10 @@
                 <a:latin typeface="Arial"/>
                 <a:cs typeface="Arial"/>
               </a:rPr>
-              <a:t>Configuration class (</a:t>
-            </a:r>
-            <a:r>
-              <a:rPr lang="en-GB" sz="2400" dirty="0" err="1">
-                <a:solidFill>
-                  <a:schemeClr val="tx1">
-                    <a:lumMod val="95000"/>
-                  </a:schemeClr>
-                </a:solidFill>
-                <a:latin typeface="Arial"/>
-                <a:cs typeface="Arial"/>
-              </a:rPr>
-              <a:t>AESEncryption</a:t>
-            </a:r>
+              <a:t>New Database (capstone project) created</a:t>
+            </a:r>
+          </a:p>
+          <a:p>
             <a:r>
               <a:rPr lang="en-GB" sz="2400" dirty="0">
                 <a:solidFill>
@@ -8083,7 +8561,7 @@
                 <a:latin typeface="Arial"/>
                 <a:cs typeface="Arial"/>
               </a:rPr>
-              <a:t>) consisting encryption method</a:t>
+              <a:t>Table inside the database (employee)</a:t>
             </a:r>
           </a:p>
           <a:p>
@@ -8097,7 +8575,7 @@
                 <a:latin typeface="Arial"/>
                 <a:cs typeface="Arial"/>
               </a:rPr>
-              <a:t>Date of birth Encrypted using the configuration class in Service Implementation class</a:t>
+              <a:t>Columns in the table (employee id, employee name, date of birth)</a:t>
             </a:r>
           </a:p>
           <a:p>
@@ -8111,20 +8589,10 @@
                 <a:latin typeface="Arial"/>
                 <a:cs typeface="Arial"/>
               </a:rPr>
-              <a:t>2 Exception classes (</a:t>
-            </a:r>
-            <a:r>
-              <a:rPr lang="en-GB" sz="2400" err="1">
-                <a:solidFill>
-                  <a:schemeClr val="tx1">
-                    <a:lumMod val="95000"/>
-                  </a:schemeClr>
-                </a:solidFill>
-                <a:latin typeface="Arial"/>
-                <a:cs typeface="Arial"/>
-              </a:rPr>
-              <a:t>EmployeeNotFoundException</a:t>
-            </a:r>
+              <a:t>Primary Key (employee id)</a:t>
+            </a:r>
+          </a:p>
+          <a:p>
             <a:r>
               <a:rPr lang="en-GB" sz="2400" dirty="0">
                 <a:solidFill>
@@ -8135,20 +8603,10 @@
                 <a:latin typeface="Arial"/>
                 <a:cs typeface="Arial"/>
               </a:rPr>
-              <a:t> and </a:t>
-            </a:r>
-            <a:r>
-              <a:rPr lang="en-GB" sz="2400" err="1">
-                <a:solidFill>
-                  <a:schemeClr val="tx1">
-                    <a:lumMod val="95000"/>
-                  </a:schemeClr>
-                </a:solidFill>
-                <a:latin typeface="Arial"/>
-                <a:cs typeface="Arial"/>
-              </a:rPr>
-              <a:t>InvalidEmployeeIdException</a:t>
-            </a:r>
+              <a:t>New Spring Starter Gradle Project</a:t>
+            </a:r>
+          </a:p>
+          <a:p>
             <a:r>
               <a:rPr lang="en-GB" sz="2400" dirty="0">
                 <a:solidFill>
@@ -8159,7 +8617,7 @@
                 <a:latin typeface="Arial"/>
                 <a:cs typeface="Arial"/>
               </a:rPr>
-              <a:t>) </a:t>
+              <a:t>Entity Class (Employee)</a:t>
             </a:r>
           </a:p>
           <a:p>
@@ -8173,7 +8631,7 @@
                 <a:latin typeface="Arial"/>
                 <a:cs typeface="Arial"/>
               </a:rPr>
-              <a:t>Global Exception Handler to handle both exceptions at one place</a:t>
+              <a:t>Repository Interface (Employee Repository)</a:t>
             </a:r>
           </a:p>
           <a:p>
@@ -8187,105 +8645,45 @@
                 <a:latin typeface="Arial"/>
                 <a:cs typeface="Arial"/>
               </a:rPr>
-              <a:t>Controller Class (</a:t>
-            </a:r>
-            <a:r>
-              <a:rPr lang="en-GB" sz="2400" err="1">
-                <a:solidFill>
-                  <a:schemeClr val="tx1">
-                    <a:lumMod val="95000"/>
-                  </a:schemeClr>
-                </a:solidFill>
-                <a:latin typeface="Arial"/>
-                <a:cs typeface="Arial"/>
-              </a:rPr>
-              <a:t>EmployeeRestController</a:t>
-            </a:r>
-            <a:r>
-              <a:rPr lang="en-GB" sz="2400" dirty="0">
-                <a:solidFill>
-                  <a:schemeClr val="tx1">
-                    <a:lumMod val="95000"/>
-                  </a:schemeClr>
-                </a:solidFill>
-                <a:latin typeface="Arial"/>
-                <a:cs typeface="Arial"/>
-              </a:rPr>
-              <a:t>)</a:t>
-            </a:r>
-          </a:p>
-          <a:p>
-            <a:r>
-              <a:rPr lang="en-GB" sz="2400" dirty="0">
-                <a:solidFill>
-                  <a:schemeClr val="tx1">
-                    <a:lumMod val="95000"/>
-                  </a:schemeClr>
-                </a:solidFill>
-                <a:latin typeface="Arial"/>
-                <a:cs typeface="Arial"/>
-              </a:rPr>
-              <a:t>Security secured by HTTPS using JKS certificate (https-</a:t>
-            </a:r>
-            <a:r>
-              <a:rPr lang="en-GB" sz="2400" dirty="0" err="1">
-                <a:solidFill>
-                  <a:schemeClr val="tx1">
-                    <a:lumMod val="95000"/>
-                  </a:schemeClr>
-                </a:solidFill>
-                <a:latin typeface="Arial"/>
-                <a:cs typeface="Arial"/>
-              </a:rPr>
-              <a:t>employee.jks</a:t>
-            </a:r>
-            <a:r>
-              <a:rPr lang="en-GB" sz="2400" dirty="0">
-                <a:solidFill>
-                  <a:schemeClr val="tx1">
-                    <a:lumMod val="95000"/>
-                  </a:schemeClr>
-                </a:solidFill>
-                <a:latin typeface="Arial"/>
-                <a:cs typeface="Arial"/>
-              </a:rPr>
-              <a:t>)</a:t>
-            </a:r>
-          </a:p>
-          <a:p>
-            <a:r>
-              <a:rPr lang="en-GB" sz="2400" dirty="0">
-                <a:solidFill>
-                  <a:schemeClr val="tx1">
-                    <a:lumMod val="95000"/>
-                  </a:schemeClr>
-                </a:solidFill>
-                <a:latin typeface="Arial"/>
-                <a:cs typeface="Arial"/>
-              </a:rPr>
-              <a:t>Deployed to Tomcat web server</a:t>
-            </a:r>
-          </a:p>
-          <a:p>
-            <a:r>
-              <a:rPr lang="en-GB" sz="2400" dirty="0">
-                <a:solidFill>
-                  <a:schemeClr val="tx1">
-                    <a:lumMod val="95000"/>
-                  </a:schemeClr>
-                </a:solidFill>
-                <a:latin typeface="Arial"/>
-                <a:cs typeface="Arial"/>
-              </a:rPr>
-              <a:t>Endpoint tested using Postman</a:t>
-            </a:r>
-          </a:p>
-        </p:txBody>
-      </p:sp>
+              <a:t>One service Interface (I Employee Service) and one service implementation class (Employee Service Implementation)</a:t>
+            </a:r>
+          </a:p>
+        </p:txBody>
+      </p:sp>
+      <p:pic>
+        <p:nvPicPr>
+          <p:cNvPr id="4" name="Picture 4">
+            <a:extLst>
+              <a:ext uri="{FF2B5EF4-FFF2-40B4-BE49-F238E27FC236}">
+                <a16:creationId xmlns:a16="http://schemas.microsoft.com/office/drawing/2014/main" id="{9E80495A-35DC-12DD-0760-706318D7C7B4}"/>
+              </a:ext>
+            </a:extLst>
+          </p:cNvPr>
+          <p:cNvPicPr>
+            <a:picLocks noChangeAspect="1"/>
+          </p:cNvPicPr>
+          <p:nvPr/>
+        </p:nvPicPr>
+        <p:blipFill>
+          <a:blip r:embed="rId2"/>
+          <a:stretch>
+            <a:fillRect/>
+          </a:stretch>
+        </p:blipFill>
+        <p:spPr>
+          <a:xfrm>
+            <a:off x="253042" y="225957"/>
+            <a:ext cx="2743200" cy="741405"/>
+          </a:xfrm>
+          <a:prstGeom prst="rect">
+            <a:avLst/>
+          </a:prstGeom>
+        </p:spPr>
+      </p:pic>
     </p:spTree>
     <p:extLst>
       <p:ext uri="{BB962C8B-B14F-4D97-AF65-F5344CB8AC3E}">
-        <p14:creationId xmlns:p14="http://schemas.microsoft.com/office/powerpoint/2010/main" val="746295381"/>
+        <p14:creationId xmlns:p14="http://schemas.microsoft.com/office/powerpoint/2010/main" val="5509715"/>
       </p:ext>
     </p:extLst>
   </p:cSld>
@@ -8314,10 +8712,10 @@
       </p:grpSpPr>
       <p:sp>
         <p:nvSpPr>
-          <p:cNvPr id="2" name="Title 1">
+          <p:cNvPr id="3" name="Content Placeholder 2">
             <a:extLst>
               <a:ext uri="{FF2B5EF4-FFF2-40B4-BE49-F238E27FC236}">
-                <a16:creationId xmlns:a16="http://schemas.microsoft.com/office/drawing/2014/main" id="{85AD7039-A0BF-C5A1-BFCC-9BAA0301D5F8}"/>
+                <a16:creationId xmlns:a16="http://schemas.microsoft.com/office/drawing/2014/main" id="{3C6BEFF5-5C7B-EF56-6FA5-90190B4FA441}"/>
               </a:ext>
             </a:extLst>
           </p:cNvPr>
@@ -8325,77 +8723,140 @@
             <a:spLocks noGrp="1"/>
           </p:cNvSpPr>
           <p:nvPr>
-            <p:ph type="title"/>
-          </p:nvPr>
-        </p:nvSpPr>
-        <p:spPr>
-          <a:xfrm>
-            <a:off x="734377" y="101615"/>
-            <a:ext cx="10728322" cy="873479"/>
-          </a:xfrm>
-        </p:spPr>
-        <p:txBody>
-          <a:bodyPr/>
+            <p:ph idx="1"/>
+          </p:nvPr>
+        </p:nvSpPr>
+        <p:spPr>
+          <a:xfrm>
+            <a:off x="720000" y="730052"/>
+            <a:ext cx="10728325" cy="5772168"/>
+          </a:xfrm>
+        </p:spPr>
+        <p:txBody>
+          <a:bodyPr vert="horz" lIns="0" tIns="0" rIns="0" bIns="0" rtlCol="0" anchor="t">
+            <a:normAutofit/>
+          </a:bodyPr>
           <a:lstStyle/>
           <a:p>
-            <a:pPr algn="ctr"/>
-            <a:r>
-              <a:rPr lang="en-GB" sz="4000" b="1" dirty="0">
+            <a:r>
+              <a:rPr lang="en-GB" sz="2400" dirty="0">
                 <a:solidFill>
-                  <a:srgbClr val="FF0000"/>
+                  <a:schemeClr val="tx1">
+                    <a:lumMod val="95000"/>
+                  </a:schemeClr>
                 </a:solidFill>
                 <a:latin typeface="Arial"/>
                 <a:cs typeface="Arial"/>
               </a:rPr>
-              <a:t>Integration and Testing</a:t>
-            </a:r>
-          </a:p>
-          <a:p>
-            <a:endParaRPr lang="en-GB" b="1" dirty="0">
-              <a:solidFill>
-                <a:srgbClr val="FF0000"/>
-              </a:solidFill>
-              <a:latin typeface="Arial"/>
-              <a:cs typeface="Arial"/>
-            </a:endParaRPr>
+              <a:t>Configuration class (AES Encryption) consisting encryption method</a:t>
+            </a:r>
+          </a:p>
+          <a:p>
+            <a:r>
+              <a:rPr lang="en-GB" sz="2400" dirty="0">
+                <a:solidFill>
+                  <a:schemeClr val="tx1">
+                    <a:lumMod val="95000"/>
+                  </a:schemeClr>
+                </a:solidFill>
+                <a:latin typeface="Arial"/>
+                <a:cs typeface="Arial"/>
+              </a:rPr>
+              <a:t>Date of birth Encrypted using the configuration class in Service Implementation class</a:t>
+            </a:r>
+          </a:p>
+          <a:p>
+            <a:r>
+              <a:rPr lang="en-GB" sz="2400" dirty="0">
+                <a:solidFill>
+                  <a:schemeClr val="tx1">
+                    <a:lumMod val="95000"/>
+                  </a:schemeClr>
+                </a:solidFill>
+                <a:latin typeface="Arial"/>
+                <a:cs typeface="Arial"/>
+              </a:rPr>
+              <a:t>2 Exception classes (Employee Not Found Exception and Invalid Employee Id Exception) </a:t>
+            </a:r>
+          </a:p>
+          <a:p>
+            <a:r>
+              <a:rPr lang="en-GB" sz="2400" dirty="0">
+                <a:solidFill>
+                  <a:schemeClr val="tx1">
+                    <a:lumMod val="95000"/>
+                  </a:schemeClr>
+                </a:solidFill>
+                <a:latin typeface="Arial"/>
+                <a:cs typeface="Arial"/>
+              </a:rPr>
+              <a:t>Global Exception Handler to handle both exceptions at one place</a:t>
+            </a:r>
+          </a:p>
+          <a:p>
+            <a:r>
+              <a:rPr lang="en-GB" sz="2400" dirty="0">
+                <a:solidFill>
+                  <a:schemeClr val="tx1">
+                    <a:lumMod val="95000"/>
+                  </a:schemeClr>
+                </a:solidFill>
+                <a:latin typeface="Arial"/>
+                <a:cs typeface="Arial"/>
+              </a:rPr>
+              <a:t>Controller Class (Employee Rest Controller)</a:t>
+            </a:r>
+          </a:p>
+          <a:p>
+            <a:r>
+              <a:rPr lang="en-GB" sz="2400" dirty="0">
+                <a:solidFill>
+                  <a:schemeClr val="tx1">
+                    <a:lumMod val="95000"/>
+                  </a:schemeClr>
+                </a:solidFill>
+                <a:latin typeface="Arial"/>
+                <a:cs typeface="Arial"/>
+              </a:rPr>
+              <a:t>Security secured by HTTPS using JKS certificate (https-employee.jks)</a:t>
+            </a:r>
+          </a:p>
+          <a:p>
+            <a:r>
+              <a:rPr lang="en-GB" sz="2400" dirty="0">
+                <a:solidFill>
+                  <a:schemeClr val="tx1">
+                    <a:lumMod val="95000"/>
+                  </a:schemeClr>
+                </a:solidFill>
+                <a:latin typeface="Arial"/>
+                <a:cs typeface="Arial"/>
+              </a:rPr>
+              <a:t>Deployed to Tomcat web server</a:t>
+            </a:r>
+          </a:p>
+          <a:p>
+            <a:r>
+              <a:rPr lang="en-GB" sz="2400" dirty="0">
+                <a:solidFill>
+                  <a:schemeClr val="tx1">
+                    <a:lumMod val="95000"/>
+                  </a:schemeClr>
+                </a:solidFill>
+                <a:latin typeface="Arial"/>
+                <a:cs typeface="Arial"/>
+              </a:rPr>
+              <a:t>Endpoint tested using Postman</a:t>
+            </a:r>
           </a:p>
         </p:txBody>
       </p:sp>
       <p:pic>
         <p:nvPicPr>
-          <p:cNvPr id="4" name="Picture 4" descr="Text&#10;&#10;Description automatically generated">
+          <p:cNvPr id="2" name="Picture 3">
             <a:extLst>
               <a:ext uri="{FF2B5EF4-FFF2-40B4-BE49-F238E27FC236}">
-                <a16:creationId xmlns:a16="http://schemas.microsoft.com/office/drawing/2014/main" id="{89A8ACDB-8B74-240C-C0DC-1D8F1B03950C}"/>
-              </a:ext>
-            </a:extLst>
-          </p:cNvPr>
-          <p:cNvPicPr>
-            <a:picLocks noGrp="1" noChangeAspect="1"/>
-          </p:cNvPicPr>
-          <p:nvPr>
-            <p:ph idx="1"/>
-          </p:nvPr>
-        </p:nvPicPr>
-        <p:blipFill>
-          <a:blip r:embed="rId2"/>
-          <a:stretch>
-            <a:fillRect/>
-          </a:stretch>
-        </p:blipFill>
-        <p:spPr>
-          <a:xfrm>
-            <a:off x="714578" y="1492053"/>
-            <a:ext cx="7446755" cy="4895148"/>
-          </a:xfrm>
-        </p:spPr>
-      </p:pic>
-      <p:pic>
-        <p:nvPicPr>
-          <p:cNvPr id="5" name="Picture 5" descr="Graphical user interface, text, application&#10;&#10;Description automatically generated">
-            <a:extLst>
-              <a:ext uri="{FF2B5EF4-FFF2-40B4-BE49-F238E27FC236}">
-                <a16:creationId xmlns:a16="http://schemas.microsoft.com/office/drawing/2014/main" id="{E3667CE5-761F-DF83-968C-A1D638918074}"/>
+                <a16:creationId xmlns:a16="http://schemas.microsoft.com/office/drawing/2014/main" id="{5B7EED6C-AD21-82DE-FA1D-FEBD0F5B35FF}"/>
               </a:ext>
             </a:extLst>
           </p:cNvPr>
@@ -8405,15 +8866,15 @@
           <p:nvPr/>
         </p:nvPicPr>
         <p:blipFill>
-          <a:blip r:embed="rId3"/>
+          <a:blip r:embed="rId2"/>
           <a:stretch>
             <a:fillRect/>
           </a:stretch>
         </p:blipFill>
         <p:spPr>
           <a:xfrm>
-            <a:off x="8462513" y="1498444"/>
-            <a:ext cx="3217652" cy="2121451"/>
+            <a:off x="310551" y="-4080"/>
+            <a:ext cx="2743200" cy="741405"/>
           </a:xfrm>
           <a:prstGeom prst="rect">
             <a:avLst/>
@@ -8423,7 +8884,7 @@
     </p:spTree>
     <p:extLst>
       <p:ext uri="{BB962C8B-B14F-4D97-AF65-F5344CB8AC3E}">
-        <p14:creationId xmlns:p14="http://schemas.microsoft.com/office/powerpoint/2010/main" val="1075814497"/>
+        <p14:creationId xmlns:p14="http://schemas.microsoft.com/office/powerpoint/2010/main" val="746295381"/>
       </p:ext>
     </p:extLst>
   </p:cSld>
@@ -8455,7 +8916,7 @@
           <p:cNvPr id="2" name="Title 1">
             <a:extLst>
               <a:ext uri="{FF2B5EF4-FFF2-40B4-BE49-F238E27FC236}">
-                <a16:creationId xmlns:a16="http://schemas.microsoft.com/office/drawing/2014/main" id="{DE97A2E8-2DEF-2344-42BA-06B75602BF98}"/>
+                <a16:creationId xmlns:a16="http://schemas.microsoft.com/office/drawing/2014/main" id="{85AD7039-A0BF-C5A1-BFCC-9BAA0301D5F8}"/>
               </a:ext>
             </a:extLst>
           </p:cNvPr>
@@ -8468,14 +8929,12 @@
         </p:nvSpPr>
         <p:spPr>
           <a:xfrm>
-            <a:off x="720000" y="87238"/>
-            <a:ext cx="10728322" cy="758461"/>
-          </a:xfrm>
-        </p:spPr>
-        <p:txBody>
-          <a:bodyPr>
-            <a:normAutofit/>
-          </a:bodyPr>
+            <a:off x="734377" y="101615"/>
+            <a:ext cx="10728322" cy="873479"/>
+          </a:xfrm>
+        </p:spPr>
+        <p:txBody>
+          <a:bodyPr/>
           <a:lstStyle/>
           <a:p>
             <a:pPr algn="ctr"/>
@@ -8487,298 +8946,83 @@
                 <a:latin typeface="Arial"/>
                 <a:cs typeface="Arial"/>
               </a:rPr>
-              <a:t>Deployment</a:t>
-            </a:r>
-            <a:endParaRPr lang="en-US"/>
-          </a:p>
-        </p:txBody>
-      </p:sp>
-      <p:sp>
-        <p:nvSpPr>
-          <p:cNvPr id="3" name="Content Placeholder 2">
-            <a:extLst>
-              <a:ext uri="{FF2B5EF4-FFF2-40B4-BE49-F238E27FC236}">
-                <a16:creationId xmlns:a16="http://schemas.microsoft.com/office/drawing/2014/main" id="{F941D584-6508-3DDC-E7F6-78D1D16EB124}"/>
-              </a:ext>
-            </a:extLst>
-          </p:cNvPr>
-          <p:cNvSpPr>
-            <a:spLocks noGrp="1"/>
-          </p:cNvSpPr>
-          <p:nvPr>
-            <p:ph idx="1"/>
-          </p:nvPr>
-        </p:nvSpPr>
-        <p:spPr>
-          <a:xfrm>
-            <a:off x="720000" y="1146997"/>
-            <a:ext cx="10728325" cy="5297713"/>
-          </a:xfrm>
-        </p:spPr>
-        <p:txBody>
-          <a:bodyPr vert="horz" lIns="0" tIns="0" rIns="0" bIns="0" rtlCol="0" anchor="t">
-            <a:normAutofit lnSpcReduction="10000"/>
-          </a:bodyPr>
-          <a:lstStyle/>
-          <a:p>
-            <a:r>
-              <a:rPr lang="en-GB" sz="2400" dirty="0">
-                <a:solidFill>
-                  <a:schemeClr val="tx1">
-                    <a:lumMod val="95000"/>
-                  </a:schemeClr>
-                </a:solidFill>
-                <a:latin typeface="Arial"/>
-                <a:cs typeface="Arial"/>
-              </a:rPr>
-              <a:t>GitHub used to store code changes.</a:t>
-            </a:r>
-          </a:p>
-          <a:p>
-            <a:endParaRPr lang="en-GB" sz="2400" dirty="0">
+              <a:t>Integration and Testing</a:t>
+            </a:r>
+          </a:p>
+          <a:p>
+            <a:endParaRPr lang="en-GB" b="1" dirty="0">
               <a:solidFill>
-                <a:schemeClr val="tx1">
-                  <a:lumMod val="95000"/>
-                </a:schemeClr>
+                <a:srgbClr val="FF0000"/>
               </a:solidFill>
               <a:latin typeface="Arial"/>
               <a:cs typeface="Arial"/>
             </a:endParaRPr>
           </a:p>
-          <a:p>
-            <a:r>
-              <a:rPr lang="en-GB" sz="2400" dirty="0">
-                <a:solidFill>
-                  <a:schemeClr val="tx1">
-                    <a:lumMod val="95000"/>
-                  </a:schemeClr>
-                </a:solidFill>
-                <a:latin typeface="Arial"/>
-                <a:cs typeface="Arial"/>
-              </a:rPr>
-              <a:t>Jenkins used to compile, test and package the code via GitHub repository.</a:t>
-            </a:r>
-          </a:p>
-          <a:p>
-            <a:endParaRPr lang="en-GB" sz="2400" dirty="0">
-              <a:solidFill>
-                <a:schemeClr val="tx1">
-                  <a:lumMod val="95000"/>
-                </a:schemeClr>
-              </a:solidFill>
-              <a:latin typeface="Arial"/>
-              <a:cs typeface="Arial"/>
-            </a:endParaRPr>
-          </a:p>
-          <a:p>
-            <a:r>
-              <a:rPr lang="en-GB" sz="2400" dirty="0">
-                <a:solidFill>
-                  <a:schemeClr val="tx1">
-                    <a:lumMod val="95000"/>
-                  </a:schemeClr>
-                </a:solidFill>
-                <a:latin typeface="Arial"/>
-                <a:cs typeface="Arial"/>
-              </a:rPr>
-              <a:t>Jenkins used also for image creation using the docker credentials.</a:t>
-            </a:r>
-          </a:p>
-          <a:p>
-            <a:endParaRPr lang="en-GB" sz="2400" dirty="0">
-              <a:solidFill>
-                <a:schemeClr val="tx1">
-                  <a:lumMod val="95000"/>
-                </a:schemeClr>
-              </a:solidFill>
-              <a:latin typeface="Arial"/>
-              <a:cs typeface="Arial"/>
-            </a:endParaRPr>
-          </a:p>
-          <a:p>
-            <a:r>
-              <a:rPr lang="en-GB" sz="2400" dirty="0">
-                <a:solidFill>
-                  <a:schemeClr val="tx1">
-                    <a:lumMod val="95000"/>
-                  </a:schemeClr>
-                </a:solidFill>
-                <a:latin typeface="Arial"/>
-                <a:cs typeface="Arial"/>
-              </a:rPr>
-              <a:t>Kubernetes used for deployment, scaling and managing the containers.</a:t>
-            </a:r>
-          </a:p>
-          <a:p>
-            <a:endParaRPr lang="en-GB" sz="2400" dirty="0">
-              <a:solidFill>
-                <a:schemeClr val="tx1">
-                  <a:lumMod val="95000"/>
-                </a:schemeClr>
-              </a:solidFill>
-              <a:latin typeface="Arial"/>
-              <a:cs typeface="Arial"/>
-            </a:endParaRPr>
-          </a:p>
-          <a:p>
-            <a:r>
-              <a:rPr lang="en-GB" sz="2400" dirty="0">
-                <a:solidFill>
-                  <a:schemeClr val="tx1">
-                    <a:lumMod val="95000"/>
-                  </a:schemeClr>
-                </a:solidFill>
-                <a:latin typeface="Arial"/>
-                <a:cs typeface="Arial"/>
-              </a:rPr>
-              <a:t>5 </a:t>
-            </a:r>
-            <a:r>
-              <a:rPr lang="en-GB" sz="2400" err="1">
-                <a:solidFill>
-                  <a:schemeClr val="tx1">
-                    <a:lumMod val="95000"/>
-                  </a:schemeClr>
-                </a:solidFill>
-                <a:latin typeface="Arial"/>
-                <a:cs typeface="Arial"/>
-              </a:rPr>
-              <a:t>yml</a:t>
-            </a:r>
-            <a:r>
-              <a:rPr lang="en-GB" sz="2400" dirty="0">
-                <a:solidFill>
-                  <a:schemeClr val="tx1">
-                    <a:lumMod val="95000"/>
-                  </a:schemeClr>
-                </a:solidFill>
-                <a:latin typeface="Arial"/>
-                <a:cs typeface="Arial"/>
-              </a:rPr>
-              <a:t> files were created (employee-deployment, employee-service, </a:t>
-            </a:r>
-            <a:r>
-              <a:rPr lang="en-GB" sz="2400" err="1">
-                <a:solidFill>
-                  <a:schemeClr val="tx1">
-                    <a:lumMod val="95000"/>
-                  </a:schemeClr>
-                </a:solidFill>
-                <a:latin typeface="Arial"/>
-                <a:cs typeface="Arial"/>
-              </a:rPr>
-              <a:t>mysql</a:t>
-            </a:r>
-            <a:r>
-              <a:rPr lang="en-GB" sz="2400" dirty="0">
-                <a:solidFill>
-                  <a:schemeClr val="tx1">
-                    <a:lumMod val="95000"/>
-                  </a:schemeClr>
-                </a:solidFill>
-                <a:latin typeface="Arial"/>
-                <a:cs typeface="Arial"/>
-              </a:rPr>
-              <a:t>-deployment, </a:t>
-            </a:r>
-            <a:r>
-              <a:rPr lang="en-GB" sz="2400" err="1">
-                <a:solidFill>
-                  <a:schemeClr val="tx1">
-                    <a:lumMod val="95000"/>
-                  </a:schemeClr>
-                </a:solidFill>
-                <a:latin typeface="Arial"/>
-                <a:cs typeface="Arial"/>
-              </a:rPr>
-              <a:t>mysql</a:t>
-            </a:r>
-            <a:r>
-              <a:rPr lang="en-GB" sz="2400" dirty="0">
-                <a:solidFill>
-                  <a:schemeClr val="tx1">
-                    <a:lumMod val="95000"/>
-                  </a:schemeClr>
-                </a:solidFill>
-                <a:latin typeface="Arial"/>
-                <a:cs typeface="Arial"/>
-              </a:rPr>
-              <a:t>-service and </a:t>
-            </a:r>
-            <a:r>
-              <a:rPr lang="en-GB" sz="2400" err="1">
-                <a:solidFill>
-                  <a:schemeClr val="tx1">
-                    <a:lumMod val="95000"/>
-                  </a:schemeClr>
-                </a:solidFill>
-                <a:latin typeface="Arial"/>
-                <a:cs typeface="Arial"/>
-              </a:rPr>
-              <a:t>mysql-pvc</a:t>
-            </a:r>
-            <a:r>
-              <a:rPr lang="en-GB" sz="2400" dirty="0">
-                <a:solidFill>
-                  <a:schemeClr val="tx1">
-                    <a:lumMod val="95000"/>
-                  </a:schemeClr>
-                </a:solidFill>
-                <a:latin typeface="Arial"/>
-                <a:cs typeface="Arial"/>
-              </a:rPr>
-              <a:t>) for </a:t>
-            </a:r>
-            <a:r>
-              <a:rPr lang="en-GB" sz="2400" err="1">
-                <a:solidFill>
-                  <a:schemeClr val="tx1">
-                    <a:lumMod val="95000"/>
-                  </a:schemeClr>
-                </a:solidFill>
-                <a:latin typeface="Arial"/>
-                <a:cs typeface="Arial"/>
-              </a:rPr>
-              <a:t>kubernetes</a:t>
-            </a:r>
-            <a:endParaRPr lang="en-GB" sz="2400" dirty="0">
-              <a:solidFill>
-                <a:schemeClr val="tx1">
-                  <a:lumMod val="95000"/>
-                </a:schemeClr>
-              </a:solidFill>
-              <a:latin typeface="Arial"/>
-              <a:cs typeface="Arial"/>
-            </a:endParaRPr>
-          </a:p>
-          <a:p>
-            <a:endParaRPr lang="en-GB" sz="2400" dirty="0">
-              <a:solidFill>
-                <a:schemeClr val="tx1">
-                  <a:lumMod val="95000"/>
-                </a:schemeClr>
-              </a:solidFill>
-              <a:latin typeface="Arial"/>
-              <a:cs typeface="Arial"/>
-            </a:endParaRPr>
-          </a:p>
-          <a:p>
-            <a:endParaRPr lang="en-GB" sz="2400" dirty="0">
-              <a:solidFill>
-                <a:schemeClr val="tx1">
-                  <a:lumMod val="95000"/>
-                </a:schemeClr>
-              </a:solidFill>
-              <a:latin typeface="Arial"/>
-              <a:cs typeface="Arial"/>
-            </a:endParaRPr>
-          </a:p>
-        </p:txBody>
-      </p:sp>
+        </p:txBody>
+      </p:sp>
+      <p:pic>
+        <p:nvPicPr>
+          <p:cNvPr id="3" name="Picture 5">
+            <a:extLst>
+              <a:ext uri="{FF2B5EF4-FFF2-40B4-BE49-F238E27FC236}">
+                <a16:creationId xmlns:a16="http://schemas.microsoft.com/office/drawing/2014/main" id="{7A60903E-C15C-E11F-9FF9-2A96706830EA}"/>
+              </a:ext>
+            </a:extLst>
+          </p:cNvPr>
+          <p:cNvPicPr>
+            <a:picLocks noChangeAspect="1"/>
+          </p:cNvPicPr>
+          <p:nvPr/>
+        </p:nvPicPr>
+        <p:blipFill>
+          <a:blip r:embed="rId2"/>
+          <a:stretch>
+            <a:fillRect/>
+          </a:stretch>
+        </p:blipFill>
+        <p:spPr>
+          <a:xfrm>
+            <a:off x="310551" y="168448"/>
+            <a:ext cx="2743200" cy="741405"/>
+          </a:xfrm>
+          <a:prstGeom prst="rect">
+            <a:avLst/>
+          </a:prstGeom>
+        </p:spPr>
+      </p:pic>
+      <p:pic>
+        <p:nvPicPr>
+          <p:cNvPr id="8" name="Picture 8" descr="Text&#10;&#10;Description automatically generated">
+            <a:extLst>
+              <a:ext uri="{FF2B5EF4-FFF2-40B4-BE49-F238E27FC236}">
+                <a16:creationId xmlns:a16="http://schemas.microsoft.com/office/drawing/2014/main" id="{262A861D-D0A2-AEF2-E9F2-67F456F1D334}"/>
+              </a:ext>
+            </a:extLst>
+          </p:cNvPr>
+          <p:cNvPicPr>
+            <a:picLocks noGrp="1" noChangeAspect="1"/>
+          </p:cNvPicPr>
+          <p:nvPr>
+            <p:ph idx="1"/>
+          </p:nvPr>
+        </p:nvPicPr>
+        <p:blipFill>
+          <a:blip r:embed="rId3"/>
+          <a:stretch>
+            <a:fillRect/>
+          </a:stretch>
+        </p:blipFill>
+        <p:spPr>
+          <a:xfrm>
+            <a:off x="732870" y="1218883"/>
+            <a:ext cx="10903866" cy="4938280"/>
+          </a:xfrm>
+        </p:spPr>
+      </p:pic>
     </p:spTree>
     <p:extLst>
       <p:ext uri="{BB962C8B-B14F-4D97-AF65-F5344CB8AC3E}">
-        <p14:creationId xmlns:p14="http://schemas.microsoft.com/office/powerpoint/2010/main" val="2752366170"/>
+        <p14:creationId xmlns:p14="http://schemas.microsoft.com/office/powerpoint/2010/main" val="1075814497"/>
       </p:ext>
     </p:extLst>
   </p:cSld>
